--- a/2020/020_explain_BT2407/figures/figures.pptx
+++ b/2020/020_explain_BT2407/figures/figures.pptx
@@ -8,6 +8,9 @@
     <p:sldId id="256" r:id="rId2"/>
     <p:sldId id="257" r:id="rId3"/>
     <p:sldId id="258" r:id="rId4"/>
+    <p:sldId id="259" r:id="rId5"/>
+    <p:sldId id="260" r:id="rId6"/>
+    <p:sldId id="261" r:id="rId7"/>
   </p:sldIdLst>
   <p:sldSz cx="12192000" cy="6858000"/>
   <p:notesSz cx="6858000" cy="9144000"/>
@@ -509,6 +512,412 @@
       </pc:sldChg>
     </pc:docChg>
   </pc:docChgLst>
+  <pc:docChgLst>
+    <pc:chgData name="Yoshihara Toru" userId="86ccaa3c9aeaa58c" providerId="LiveId" clId="{D209A41B-C8B0-4430-9A36-C6A6709D00B5}"/>
+    <pc:docChg chg="undo redo custSel addSld modSld">
+      <pc:chgData name="Yoshihara Toru" userId="86ccaa3c9aeaa58c" providerId="LiveId" clId="{D209A41B-C8B0-4430-9A36-C6A6709D00B5}" dt="2020-06-06T01:55:49.811" v="987" actId="1036"/>
+      <pc:docMkLst>
+        <pc:docMk/>
+      </pc:docMkLst>
+      <pc:sldChg chg="addSp delSp modSp new mod">
+        <pc:chgData name="Yoshihara Toru" userId="86ccaa3c9aeaa58c" providerId="LiveId" clId="{D209A41B-C8B0-4430-9A36-C6A6709D00B5}" dt="2020-06-06T01:55:49.811" v="987" actId="1036"/>
+        <pc:sldMkLst>
+          <pc:docMk/>
+          <pc:sldMk cId="2455791266" sldId="259"/>
+        </pc:sldMkLst>
+        <pc:spChg chg="del">
+          <ac:chgData name="Yoshihara Toru" userId="86ccaa3c9aeaa58c" providerId="LiveId" clId="{D209A41B-C8B0-4430-9A36-C6A6709D00B5}" dt="2020-06-06T01:09:22.827" v="1" actId="478"/>
+          <ac:spMkLst>
+            <pc:docMk/>
+            <pc:sldMk cId="2455791266" sldId="259"/>
+            <ac:spMk id="2" creationId="{30B89244-73F0-4949-9ABA-A9005AB36548}"/>
+          </ac:spMkLst>
+        </pc:spChg>
+        <pc:spChg chg="del">
+          <ac:chgData name="Yoshihara Toru" userId="86ccaa3c9aeaa58c" providerId="LiveId" clId="{D209A41B-C8B0-4430-9A36-C6A6709D00B5}" dt="2020-06-06T01:09:22.827" v="1" actId="478"/>
+          <ac:spMkLst>
+            <pc:docMk/>
+            <pc:sldMk cId="2455791266" sldId="259"/>
+            <ac:spMk id="3" creationId="{7314B94A-6391-4D20-B442-496006D8610D}"/>
+          </ac:spMkLst>
+        </pc:spChg>
+        <pc:spChg chg="add del mod">
+          <ac:chgData name="Yoshihara Toru" userId="86ccaa3c9aeaa58c" providerId="LiveId" clId="{D209A41B-C8B0-4430-9A36-C6A6709D00B5}" dt="2020-06-06T01:16:38.889" v="22" actId="478"/>
+          <ac:spMkLst>
+            <pc:docMk/>
+            <pc:sldMk cId="2455791266" sldId="259"/>
+            <ac:spMk id="11" creationId="{2C87EEB2-754A-4AE9-8481-CBE21DB18835}"/>
+          </ac:spMkLst>
+        </pc:spChg>
+        <pc:spChg chg="add mod">
+          <ac:chgData name="Yoshihara Toru" userId="86ccaa3c9aeaa58c" providerId="LiveId" clId="{D209A41B-C8B0-4430-9A36-C6A6709D00B5}" dt="2020-06-06T01:28:18.812" v="382" actId="14100"/>
+          <ac:spMkLst>
+            <pc:docMk/>
+            <pc:sldMk cId="2455791266" sldId="259"/>
+            <ac:spMk id="12" creationId="{0AA9F818-6E84-4A25-92F8-0CC137929D65}"/>
+          </ac:spMkLst>
+        </pc:spChg>
+        <pc:spChg chg="add mod ord">
+          <ac:chgData name="Yoshihara Toru" userId="86ccaa3c9aeaa58c" providerId="LiveId" clId="{D209A41B-C8B0-4430-9A36-C6A6709D00B5}" dt="2020-06-06T01:25:36.395" v="351" actId="166"/>
+          <ac:spMkLst>
+            <pc:docMk/>
+            <pc:sldMk cId="2455791266" sldId="259"/>
+            <ac:spMk id="13" creationId="{A2B4EF13-C8C4-43CC-B5C8-E13221E1F287}"/>
+          </ac:spMkLst>
+        </pc:spChg>
+        <pc:spChg chg="add mod">
+          <ac:chgData name="Yoshihara Toru" userId="86ccaa3c9aeaa58c" providerId="LiveId" clId="{D209A41B-C8B0-4430-9A36-C6A6709D00B5}" dt="2020-06-06T01:24:20.310" v="340" actId="14861"/>
+          <ac:spMkLst>
+            <pc:docMk/>
+            <pc:sldMk cId="2455791266" sldId="259"/>
+            <ac:spMk id="14" creationId="{576A0C7D-420E-4DE1-8232-3BD12ABC2A97}"/>
+          </ac:spMkLst>
+        </pc:spChg>
+        <pc:spChg chg="add mod ord">
+          <ac:chgData name="Yoshihara Toru" userId="86ccaa3c9aeaa58c" providerId="LiveId" clId="{D209A41B-C8B0-4430-9A36-C6A6709D00B5}" dt="2020-06-06T01:55:45.486" v="984" actId="1036"/>
+          <ac:spMkLst>
+            <pc:docMk/>
+            <pc:sldMk cId="2455791266" sldId="259"/>
+            <ac:spMk id="15" creationId="{65A29704-0F36-4563-BC67-AD61FE6BCA23}"/>
+          </ac:spMkLst>
+        </pc:spChg>
+        <pc:spChg chg="add mod">
+          <ac:chgData name="Yoshihara Toru" userId="86ccaa3c9aeaa58c" providerId="LiveId" clId="{D209A41B-C8B0-4430-9A36-C6A6709D00B5}" dt="2020-06-06T01:55:49.811" v="987" actId="1036"/>
+          <ac:spMkLst>
+            <pc:docMk/>
+            <pc:sldMk cId="2455791266" sldId="259"/>
+            <ac:spMk id="16" creationId="{CED7D55C-DC12-4B48-AA81-9E2C48447C03}"/>
+          </ac:spMkLst>
+        </pc:spChg>
+        <pc:spChg chg="add mod">
+          <ac:chgData name="Yoshihara Toru" userId="86ccaa3c9aeaa58c" providerId="LiveId" clId="{D209A41B-C8B0-4430-9A36-C6A6709D00B5}" dt="2020-06-06T01:29:38.802" v="493" actId="207"/>
+          <ac:spMkLst>
+            <pc:docMk/>
+            <pc:sldMk cId="2455791266" sldId="259"/>
+            <ac:spMk id="17" creationId="{F3E5C6A4-B1EA-4606-9938-F3A3472A6B4A}"/>
+          </ac:spMkLst>
+        </pc:spChg>
+        <pc:spChg chg="add mod">
+          <ac:chgData name="Yoshihara Toru" userId="86ccaa3c9aeaa58c" providerId="LiveId" clId="{D209A41B-C8B0-4430-9A36-C6A6709D00B5}" dt="2020-06-06T01:22:37.011" v="159" actId="14100"/>
+          <ac:spMkLst>
+            <pc:docMk/>
+            <pc:sldMk cId="2455791266" sldId="259"/>
+            <ac:spMk id="18" creationId="{5A2A8B34-67BD-4E17-8425-CB9101C3DF7A}"/>
+          </ac:spMkLst>
+        </pc:spChg>
+        <pc:spChg chg="add del mod">
+          <ac:chgData name="Yoshihara Toru" userId="86ccaa3c9aeaa58c" providerId="LiveId" clId="{D209A41B-C8B0-4430-9A36-C6A6709D00B5}" dt="2020-06-06T01:25:01.576" v="348" actId="478"/>
+          <ac:spMkLst>
+            <pc:docMk/>
+            <pc:sldMk cId="2455791266" sldId="259"/>
+            <ac:spMk id="20" creationId="{5E42E3B3-EEC1-4CEA-AE42-BA7C1639E830}"/>
+          </ac:spMkLst>
+        </pc:spChg>
+        <pc:spChg chg="add mod">
+          <ac:chgData name="Yoshihara Toru" userId="86ccaa3c9aeaa58c" providerId="LiveId" clId="{D209A41B-C8B0-4430-9A36-C6A6709D00B5}" dt="2020-06-06T01:25:29.267" v="350" actId="108"/>
+          <ac:spMkLst>
+            <pc:docMk/>
+            <pc:sldMk cId="2455791266" sldId="259"/>
+            <ac:spMk id="21" creationId="{65A91F4D-3BC4-4749-8018-824C727604F6}"/>
+          </ac:spMkLst>
+        </pc:spChg>
+        <pc:spChg chg="add mod">
+          <ac:chgData name="Yoshihara Toru" userId="86ccaa3c9aeaa58c" providerId="LiveId" clId="{D209A41B-C8B0-4430-9A36-C6A6709D00B5}" dt="2020-06-06T01:29:38.802" v="493" actId="207"/>
+          <ac:spMkLst>
+            <pc:docMk/>
+            <pc:sldMk cId="2455791266" sldId="259"/>
+            <ac:spMk id="22" creationId="{8CCC9F04-2FEF-4F68-AC4B-5499D61FDC78}"/>
+          </ac:spMkLst>
+        </pc:spChg>
+        <pc:spChg chg="add mod">
+          <ac:chgData name="Yoshihara Toru" userId="86ccaa3c9aeaa58c" providerId="LiveId" clId="{D209A41B-C8B0-4430-9A36-C6A6709D00B5}" dt="2020-06-06T01:52:20.944" v="966" actId="108"/>
+          <ac:spMkLst>
+            <pc:docMk/>
+            <pc:sldMk cId="2455791266" sldId="259"/>
+            <ac:spMk id="36" creationId="{FF9D1801-D5CD-4373-A7AB-F8B7E170B270}"/>
+          </ac:spMkLst>
+        </pc:spChg>
+        <pc:spChg chg="add mod">
+          <ac:chgData name="Yoshihara Toru" userId="86ccaa3c9aeaa58c" providerId="LiveId" clId="{D209A41B-C8B0-4430-9A36-C6A6709D00B5}" dt="2020-06-06T01:52:29.511" v="969" actId="20577"/>
+          <ac:spMkLst>
+            <pc:docMk/>
+            <pc:sldMk cId="2455791266" sldId="259"/>
+            <ac:spMk id="37" creationId="{76240C87-E84A-4ACC-89CD-730664A68078}"/>
+          </ac:spMkLst>
+        </pc:spChg>
+        <pc:picChg chg="add del">
+          <ac:chgData name="Yoshihara Toru" userId="86ccaa3c9aeaa58c" providerId="LiveId" clId="{D209A41B-C8B0-4430-9A36-C6A6709D00B5}" dt="2020-06-06T01:10:34.208" v="4" actId="478"/>
+          <ac:picMkLst>
+            <pc:docMk/>
+            <pc:sldMk cId="2455791266" sldId="259"/>
+            <ac:picMk id="4" creationId="{AB8991C2-1A06-4926-9FD0-4F90DD957419}"/>
+          </ac:picMkLst>
+        </pc:picChg>
+        <pc:picChg chg="add del mod">
+          <ac:chgData name="Yoshihara Toru" userId="86ccaa3c9aeaa58c" providerId="LiveId" clId="{D209A41B-C8B0-4430-9A36-C6A6709D00B5}" dt="2020-06-06T01:18:19.491" v="45" actId="1076"/>
+          <ac:picMkLst>
+            <pc:docMk/>
+            <pc:sldMk cId="2455791266" sldId="259"/>
+            <ac:picMk id="6" creationId="{59BCB07B-4778-45CF-88EE-F304700B2DD9}"/>
+          </ac:picMkLst>
+        </pc:picChg>
+        <pc:picChg chg="add mod">
+          <ac:chgData name="Yoshihara Toru" userId="86ccaa3c9aeaa58c" providerId="LiveId" clId="{D209A41B-C8B0-4430-9A36-C6A6709D00B5}" dt="2020-06-06T01:24:45.878" v="345" actId="571"/>
+          <ac:picMkLst>
+            <pc:docMk/>
+            <pc:sldMk cId="2455791266" sldId="259"/>
+            <ac:picMk id="19" creationId="{2D518A7C-0A7F-4336-AB14-4FBE73300430}"/>
+          </ac:picMkLst>
+        </pc:picChg>
+        <pc:cxnChg chg="add mod">
+          <ac:chgData name="Yoshihara Toru" userId="86ccaa3c9aeaa58c" providerId="LiveId" clId="{D209A41B-C8B0-4430-9A36-C6A6709D00B5}" dt="2020-06-06T01:26:27.658" v="365" actId="14100"/>
+          <ac:cxnSpMkLst>
+            <pc:docMk/>
+            <pc:sldMk cId="2455791266" sldId="259"/>
+            <ac:cxnSpMk id="8" creationId="{A58A74AE-55D6-4BBD-BDB6-EB0F78DC409B}"/>
+          </ac:cxnSpMkLst>
+        </pc:cxnChg>
+        <pc:cxnChg chg="add mod">
+          <ac:chgData name="Yoshihara Toru" userId="86ccaa3c9aeaa58c" providerId="LiveId" clId="{D209A41B-C8B0-4430-9A36-C6A6709D00B5}" dt="2020-06-06T01:28:08.765" v="381" actId="692"/>
+          <ac:cxnSpMkLst>
+            <pc:docMk/>
+            <pc:sldMk cId="2455791266" sldId="259"/>
+            <ac:cxnSpMk id="26" creationId="{294106D5-9EDC-4CDD-848D-A51C45724B92}"/>
+          </ac:cxnSpMkLst>
+        </pc:cxnChg>
+        <pc:cxnChg chg="add del mod">
+          <ac:chgData name="Yoshihara Toru" userId="86ccaa3c9aeaa58c" providerId="LiveId" clId="{D209A41B-C8B0-4430-9A36-C6A6709D00B5}" dt="2020-06-06T01:50:52.293" v="953" actId="478"/>
+          <ac:cxnSpMkLst>
+            <pc:docMk/>
+            <pc:sldMk cId="2455791266" sldId="259"/>
+            <ac:cxnSpMk id="27" creationId="{BA08027E-47E0-4BB0-A545-966FBF84E74E}"/>
+          </ac:cxnSpMkLst>
+        </pc:cxnChg>
+        <pc:cxnChg chg="add mod">
+          <ac:chgData name="Yoshihara Toru" userId="86ccaa3c9aeaa58c" providerId="LiveId" clId="{D209A41B-C8B0-4430-9A36-C6A6709D00B5}" dt="2020-06-06T01:53:24.896" v="973" actId="692"/>
+          <ac:cxnSpMkLst>
+            <pc:docMk/>
+            <pc:sldMk cId="2455791266" sldId="259"/>
+            <ac:cxnSpMk id="30" creationId="{9AED3FE5-B6BB-4CDE-9AFE-503160FCD46A}"/>
+          </ac:cxnSpMkLst>
+        </pc:cxnChg>
+        <pc:cxnChg chg="add mod">
+          <ac:chgData name="Yoshihara Toru" userId="86ccaa3c9aeaa58c" providerId="LiveId" clId="{D209A41B-C8B0-4430-9A36-C6A6709D00B5}" dt="2020-06-06T01:53:24.896" v="973" actId="692"/>
+          <ac:cxnSpMkLst>
+            <pc:docMk/>
+            <pc:sldMk cId="2455791266" sldId="259"/>
+            <ac:cxnSpMk id="32" creationId="{8C1AE626-8026-4DE8-81B9-99A298922095}"/>
+          </ac:cxnSpMkLst>
+        </pc:cxnChg>
+        <pc:cxnChg chg="add mod">
+          <ac:chgData name="Yoshihara Toru" userId="86ccaa3c9aeaa58c" providerId="LiveId" clId="{D209A41B-C8B0-4430-9A36-C6A6709D00B5}" dt="2020-06-06T01:53:24.896" v="973" actId="692"/>
+          <ac:cxnSpMkLst>
+            <pc:docMk/>
+            <pc:sldMk cId="2455791266" sldId="259"/>
+            <ac:cxnSpMk id="33" creationId="{ED7C2CFB-3F18-4759-8BAB-777A3799A339}"/>
+          </ac:cxnSpMkLst>
+        </pc:cxnChg>
+      </pc:sldChg>
+      <pc:sldChg chg="addSp delSp modSp new mod">
+        <pc:chgData name="Yoshihara Toru" userId="86ccaa3c9aeaa58c" providerId="LiveId" clId="{D209A41B-C8B0-4430-9A36-C6A6709D00B5}" dt="2020-06-06T01:53:07.662" v="972" actId="692"/>
+        <pc:sldMkLst>
+          <pc:docMk/>
+          <pc:sldMk cId="2916391178" sldId="260"/>
+        </pc:sldMkLst>
+        <pc:spChg chg="del">
+          <ac:chgData name="Yoshihara Toru" userId="86ccaa3c9aeaa58c" providerId="LiveId" clId="{D209A41B-C8B0-4430-9A36-C6A6709D00B5}" dt="2020-06-06T01:10:44.573" v="6" actId="478"/>
+          <ac:spMkLst>
+            <pc:docMk/>
+            <pc:sldMk cId="2916391178" sldId="260"/>
+            <ac:spMk id="2" creationId="{E83042C9-F366-4D1F-AFFE-888EB6AA86F1}"/>
+          </ac:spMkLst>
+        </pc:spChg>
+        <pc:spChg chg="del">
+          <ac:chgData name="Yoshihara Toru" userId="86ccaa3c9aeaa58c" providerId="LiveId" clId="{D209A41B-C8B0-4430-9A36-C6A6709D00B5}" dt="2020-06-06T01:10:44.573" v="6" actId="478"/>
+          <ac:spMkLst>
+            <pc:docMk/>
+            <pc:sldMk cId="2916391178" sldId="260"/>
+            <ac:spMk id="3" creationId="{92087464-BC18-4584-B03E-66A5AE30B5BA}"/>
+          </ac:spMkLst>
+        </pc:spChg>
+        <pc:spChg chg="add mod">
+          <ac:chgData name="Yoshihara Toru" userId="86ccaa3c9aeaa58c" providerId="LiveId" clId="{D209A41B-C8B0-4430-9A36-C6A6709D00B5}" dt="2020-06-06T01:41:20.223" v="820" actId="1036"/>
+          <ac:spMkLst>
+            <pc:docMk/>
+            <pc:sldMk cId="2916391178" sldId="260"/>
+            <ac:spMk id="8" creationId="{258F528B-56E1-4DF2-978D-51109D2334F7}"/>
+          </ac:spMkLst>
+        </pc:spChg>
+        <pc:spChg chg="add mod">
+          <ac:chgData name="Yoshihara Toru" userId="86ccaa3c9aeaa58c" providerId="LiveId" clId="{D209A41B-C8B0-4430-9A36-C6A6709D00B5}" dt="2020-06-06T01:39:13.900" v="792" actId="1035"/>
+          <ac:spMkLst>
+            <pc:docMk/>
+            <pc:sldMk cId="2916391178" sldId="260"/>
+            <ac:spMk id="11" creationId="{EE84C9A5-3F32-4F07-B5B0-53B49BCE2FE4}"/>
+          </ac:spMkLst>
+        </pc:spChg>
+        <pc:spChg chg="add del mod">
+          <ac:chgData name="Yoshihara Toru" userId="86ccaa3c9aeaa58c" providerId="LiveId" clId="{D209A41B-C8B0-4430-9A36-C6A6709D00B5}" dt="2020-06-06T01:34:25.529" v="584" actId="478"/>
+          <ac:spMkLst>
+            <pc:docMk/>
+            <pc:sldMk cId="2916391178" sldId="260"/>
+            <ac:spMk id="12" creationId="{B5789D07-08BB-4538-8E88-8E47E8817718}"/>
+          </ac:spMkLst>
+        </pc:spChg>
+        <pc:spChg chg="add mod ord">
+          <ac:chgData name="Yoshihara Toru" userId="86ccaa3c9aeaa58c" providerId="LiveId" clId="{D209A41B-C8B0-4430-9A36-C6A6709D00B5}" dt="2020-06-06T01:48:53.820" v="938" actId="166"/>
+          <ac:spMkLst>
+            <pc:docMk/>
+            <pc:sldMk cId="2916391178" sldId="260"/>
+            <ac:spMk id="13" creationId="{4272A239-0646-45B0-BE87-05345B5D2E06}"/>
+          </ac:spMkLst>
+        </pc:spChg>
+        <pc:spChg chg="add mod">
+          <ac:chgData name="Yoshihara Toru" userId="86ccaa3c9aeaa58c" providerId="LiveId" clId="{D209A41B-C8B0-4430-9A36-C6A6709D00B5}" dt="2020-06-06T01:41:02.452" v="808" actId="1076"/>
+          <ac:spMkLst>
+            <pc:docMk/>
+            <pc:sldMk cId="2916391178" sldId="260"/>
+            <ac:spMk id="14" creationId="{EC244DA7-1082-451D-B223-1306DEF21D5D}"/>
+          </ac:spMkLst>
+        </pc:spChg>
+        <pc:spChg chg="add del mod">
+          <ac:chgData name="Yoshihara Toru" userId="86ccaa3c9aeaa58c" providerId="LiveId" clId="{D209A41B-C8B0-4430-9A36-C6A6709D00B5}" dt="2020-06-06T01:41:52.472" v="843" actId="478"/>
+          <ac:spMkLst>
+            <pc:docMk/>
+            <pc:sldMk cId="2916391178" sldId="260"/>
+            <ac:spMk id="15" creationId="{69066039-6E75-4DE0-A26B-0C7133CD9A23}"/>
+          </ac:spMkLst>
+        </pc:spChg>
+        <pc:spChg chg="add mod">
+          <ac:chgData name="Yoshihara Toru" userId="86ccaa3c9aeaa58c" providerId="LiveId" clId="{D209A41B-C8B0-4430-9A36-C6A6709D00B5}" dt="2020-06-06T01:40:58.792" v="807" actId="14100"/>
+          <ac:spMkLst>
+            <pc:docMk/>
+            <pc:sldMk cId="2916391178" sldId="260"/>
+            <ac:spMk id="16" creationId="{234B7E4C-EE77-4752-AE44-87A83BA6A437}"/>
+          </ac:spMkLst>
+        </pc:spChg>
+        <pc:spChg chg="add mod">
+          <ac:chgData name="Yoshihara Toru" userId="86ccaa3c9aeaa58c" providerId="LiveId" clId="{D209A41B-C8B0-4430-9A36-C6A6709D00B5}" dt="2020-06-06T01:42:56.565" v="846" actId="108"/>
+          <ac:spMkLst>
+            <pc:docMk/>
+            <pc:sldMk cId="2916391178" sldId="260"/>
+            <ac:spMk id="17" creationId="{A07F469B-3364-46DA-8668-D313A8689B11}"/>
+          </ac:spMkLst>
+        </pc:spChg>
+        <pc:spChg chg="add mod ord">
+          <ac:chgData name="Yoshihara Toru" userId="86ccaa3c9aeaa58c" providerId="LiveId" clId="{D209A41B-C8B0-4430-9A36-C6A6709D00B5}" dt="2020-06-06T01:48:59.706" v="939" actId="166"/>
+          <ac:spMkLst>
+            <pc:docMk/>
+            <pc:sldMk cId="2916391178" sldId="260"/>
+            <ac:spMk id="18" creationId="{91D4C875-0DE8-44C5-8DB1-F4B76ACA80DA}"/>
+          </ac:spMkLst>
+        </pc:spChg>
+        <pc:spChg chg="add mod">
+          <ac:chgData name="Yoshihara Toru" userId="86ccaa3c9aeaa58c" providerId="LiveId" clId="{D209A41B-C8B0-4430-9A36-C6A6709D00B5}" dt="2020-06-06T01:43:19.839" v="856" actId="20577"/>
+          <ac:spMkLst>
+            <pc:docMk/>
+            <pc:sldMk cId="2916391178" sldId="260"/>
+            <ac:spMk id="19" creationId="{0812D4FC-F753-421C-918F-A597B3F70B1A}"/>
+          </ac:spMkLst>
+        </pc:spChg>
+        <pc:spChg chg="add mod">
+          <ac:chgData name="Yoshihara Toru" userId="86ccaa3c9aeaa58c" providerId="LiveId" clId="{D209A41B-C8B0-4430-9A36-C6A6709D00B5}" dt="2020-06-06T01:43:29.509" v="861" actId="20577"/>
+          <ac:spMkLst>
+            <pc:docMk/>
+            <pc:sldMk cId="2916391178" sldId="260"/>
+            <ac:spMk id="20" creationId="{1CE29A6D-FFB6-4ECA-A17C-2371252E38E3}"/>
+          </ac:spMkLst>
+        </pc:spChg>
+        <pc:spChg chg="add mod ord">
+          <ac:chgData name="Yoshihara Toru" userId="86ccaa3c9aeaa58c" providerId="LiveId" clId="{D209A41B-C8B0-4430-9A36-C6A6709D00B5}" dt="2020-06-06T01:49:26.632" v="945" actId="14100"/>
+          <ac:spMkLst>
+            <pc:docMk/>
+            <pc:sldMk cId="2916391178" sldId="260"/>
+            <ac:spMk id="29" creationId="{135E510E-0089-4DB6-BB48-587C1813E52A}"/>
+          </ac:spMkLst>
+        </pc:spChg>
+        <pc:spChg chg="add mod">
+          <ac:chgData name="Yoshihara Toru" userId="86ccaa3c9aeaa58c" providerId="LiveId" clId="{D209A41B-C8B0-4430-9A36-C6A6709D00B5}" dt="2020-06-06T01:49:29.921" v="946" actId="1076"/>
+          <ac:spMkLst>
+            <pc:docMk/>
+            <pc:sldMk cId="2916391178" sldId="260"/>
+            <ac:spMk id="30" creationId="{AF883950-ECD0-49C6-82B8-6E4E4998EE44}"/>
+          </ac:spMkLst>
+        </pc:spChg>
+        <pc:picChg chg="add mod">
+          <ac:chgData name="Yoshihara Toru" userId="86ccaa3c9aeaa58c" providerId="LiveId" clId="{D209A41B-C8B0-4430-9A36-C6A6709D00B5}" dt="2020-06-06T01:38:13.092" v="765" actId="1076"/>
+          <ac:picMkLst>
+            <pc:docMk/>
+            <pc:sldMk cId="2916391178" sldId="260"/>
+            <ac:picMk id="5" creationId="{61837FEE-2866-47C6-A6A8-A39D3DBAF283}"/>
+          </ac:picMkLst>
+        </pc:picChg>
+        <pc:cxnChg chg="add mod">
+          <ac:chgData name="Yoshihara Toru" userId="86ccaa3c9aeaa58c" providerId="LiveId" clId="{D209A41B-C8B0-4430-9A36-C6A6709D00B5}" dt="2020-06-06T01:29:26.381" v="492" actId="208"/>
+          <ac:cxnSpMkLst>
+            <pc:docMk/>
+            <pc:sldMk cId="2916391178" sldId="260"/>
+            <ac:cxnSpMk id="6" creationId="{31972D1D-C652-4961-9888-9E27C93C3E2D}"/>
+          </ac:cxnSpMkLst>
+        </pc:cxnChg>
+        <pc:cxnChg chg="add mod">
+          <ac:chgData name="Yoshihara Toru" userId="86ccaa3c9aeaa58c" providerId="LiveId" clId="{D209A41B-C8B0-4430-9A36-C6A6709D00B5}" dt="2020-06-06T01:30:58.551" v="504" actId="108"/>
+          <ac:cxnSpMkLst>
+            <pc:docMk/>
+            <pc:sldMk cId="2916391178" sldId="260"/>
+            <ac:cxnSpMk id="10" creationId="{D1C22893-F3FF-4FB0-848C-5A59AD71C523}"/>
+          </ac:cxnSpMkLst>
+        </pc:cxnChg>
+        <pc:cxnChg chg="add mod">
+          <ac:chgData name="Yoshihara Toru" userId="86ccaa3c9aeaa58c" providerId="LiveId" clId="{D209A41B-C8B0-4430-9A36-C6A6709D00B5}" dt="2020-06-06T01:53:07.662" v="972" actId="692"/>
+          <ac:cxnSpMkLst>
+            <pc:docMk/>
+            <pc:sldMk cId="2916391178" sldId="260"/>
+            <ac:cxnSpMk id="22" creationId="{EF257847-5D1B-497F-9D43-3EA7B170E671}"/>
+          </ac:cxnSpMkLst>
+        </pc:cxnChg>
+        <pc:cxnChg chg="add mod">
+          <ac:chgData name="Yoshihara Toru" userId="86ccaa3c9aeaa58c" providerId="LiveId" clId="{D209A41B-C8B0-4430-9A36-C6A6709D00B5}" dt="2020-06-06T01:53:07.662" v="972" actId="692"/>
+          <ac:cxnSpMkLst>
+            <pc:docMk/>
+            <pc:sldMk cId="2916391178" sldId="260"/>
+            <ac:cxnSpMk id="24" creationId="{F1427B97-B31A-4413-9F5C-C19FB8E42DEF}"/>
+          </ac:cxnSpMkLst>
+        </pc:cxnChg>
+        <pc:cxnChg chg="add mod ord">
+          <ac:chgData name="Yoshihara Toru" userId="86ccaa3c9aeaa58c" providerId="LiveId" clId="{D209A41B-C8B0-4430-9A36-C6A6709D00B5}" dt="2020-06-06T01:53:07.662" v="972" actId="692"/>
+          <ac:cxnSpMkLst>
+            <pc:docMk/>
+            <pc:sldMk cId="2916391178" sldId="260"/>
+            <ac:cxnSpMk id="26" creationId="{5270201B-CB9F-4C13-8CDE-1A8007D3AF87}"/>
+          </ac:cxnSpMkLst>
+        </pc:cxnChg>
+      </pc:sldChg>
+      <pc:sldChg chg="addSp delSp modSp new mod">
+        <pc:chgData name="Yoshihara Toru" userId="86ccaa3c9aeaa58c" providerId="LiveId" clId="{D209A41B-C8B0-4430-9A36-C6A6709D00B5}" dt="2020-06-06T01:55:28.106" v="980" actId="478"/>
+        <pc:sldMkLst>
+          <pc:docMk/>
+          <pc:sldMk cId="2200829498" sldId="261"/>
+        </pc:sldMkLst>
+        <pc:picChg chg="add del">
+          <ac:chgData name="Yoshihara Toru" userId="86ccaa3c9aeaa58c" providerId="LiveId" clId="{D209A41B-C8B0-4430-9A36-C6A6709D00B5}" dt="2020-06-06T01:55:28.106" v="980" actId="478"/>
+          <ac:picMkLst>
+            <pc:docMk/>
+            <pc:sldMk cId="2200829498" sldId="261"/>
+            <ac:picMk id="4" creationId="{4C275BE3-CEAE-4487-915D-EC4119D47F00}"/>
+          </ac:picMkLst>
+        </pc:picChg>
+        <pc:picChg chg="add del mod">
+          <ac:chgData name="Yoshihara Toru" userId="86ccaa3c9aeaa58c" providerId="LiveId" clId="{D209A41B-C8B0-4430-9A36-C6A6709D00B5}" dt="2020-06-06T01:55:25.934" v="979" actId="478"/>
+          <ac:picMkLst>
+            <pc:docMk/>
+            <pc:sldMk cId="2200829498" sldId="261"/>
+            <ac:picMk id="5" creationId="{24EC60A6-1B2C-4467-9E3B-7BD33AB62462}"/>
+          </ac:picMkLst>
+        </pc:picChg>
+      </pc:sldChg>
+    </pc:docChg>
+  </pc:docChgLst>
 </pc:chgInfo>
 </file>
 
@@ -659,7 +1068,7 @@
           <a:p>
             <a:fld id="{A3DA77CD-D7BC-41B0-BA66-7BED7FAA04B5}" type="datetimeFigureOut">
               <a:rPr kumimoji="1" lang="ja-JP" altLang="en-US" smtClean="0"/>
-              <a:t>2020/5/30</a:t>
+              <a:t>2020/6/6</a:t>
             </a:fld>
             <a:endParaRPr kumimoji="1" lang="ja-JP" altLang="en-US"/>
           </a:p>
@@ -889,7 +1298,7 @@
           <a:p>
             <a:fld id="{A3DA77CD-D7BC-41B0-BA66-7BED7FAA04B5}" type="datetimeFigureOut">
               <a:rPr kumimoji="1" lang="ja-JP" altLang="en-US" smtClean="0"/>
-              <a:t>2020/5/30</a:t>
+              <a:t>2020/6/6</a:t>
             </a:fld>
             <a:endParaRPr kumimoji="1" lang="ja-JP" altLang="en-US"/>
           </a:p>
@@ -1129,7 +1538,7 @@
           <a:p>
             <a:fld id="{A3DA77CD-D7BC-41B0-BA66-7BED7FAA04B5}" type="datetimeFigureOut">
               <a:rPr kumimoji="1" lang="ja-JP" altLang="en-US" smtClean="0"/>
-              <a:t>2020/5/30</a:t>
+              <a:t>2020/6/6</a:t>
             </a:fld>
             <a:endParaRPr kumimoji="1" lang="ja-JP" altLang="en-US"/>
           </a:p>
@@ -1359,7 +1768,7 @@
           <a:p>
             <a:fld id="{A3DA77CD-D7BC-41B0-BA66-7BED7FAA04B5}" type="datetimeFigureOut">
               <a:rPr kumimoji="1" lang="ja-JP" altLang="en-US" smtClean="0"/>
-              <a:t>2020/5/30</a:t>
+              <a:t>2020/6/6</a:t>
             </a:fld>
             <a:endParaRPr kumimoji="1" lang="ja-JP" altLang="en-US"/>
           </a:p>
@@ -1634,7 +2043,7 @@
           <a:p>
             <a:fld id="{A3DA77CD-D7BC-41B0-BA66-7BED7FAA04B5}" type="datetimeFigureOut">
               <a:rPr kumimoji="1" lang="ja-JP" altLang="en-US" smtClean="0"/>
-              <a:t>2020/5/30</a:t>
+              <a:t>2020/6/6</a:t>
             </a:fld>
             <a:endParaRPr kumimoji="1" lang="ja-JP" altLang="en-US"/>
           </a:p>
@@ -1963,7 +2372,7 @@
           <a:p>
             <a:fld id="{A3DA77CD-D7BC-41B0-BA66-7BED7FAA04B5}" type="datetimeFigureOut">
               <a:rPr kumimoji="1" lang="ja-JP" altLang="en-US" smtClean="0"/>
-              <a:t>2020/5/30</a:t>
+              <a:t>2020/6/6</a:t>
             </a:fld>
             <a:endParaRPr kumimoji="1" lang="ja-JP" altLang="en-US"/>
           </a:p>
@@ -2439,7 +2848,7 @@
           <a:p>
             <a:fld id="{A3DA77CD-D7BC-41B0-BA66-7BED7FAA04B5}" type="datetimeFigureOut">
               <a:rPr kumimoji="1" lang="ja-JP" altLang="en-US" smtClean="0"/>
-              <a:t>2020/5/30</a:t>
+              <a:t>2020/6/6</a:t>
             </a:fld>
             <a:endParaRPr kumimoji="1" lang="ja-JP" altLang="en-US"/>
           </a:p>
@@ -2580,7 +2989,7 @@
           <a:p>
             <a:fld id="{A3DA77CD-D7BC-41B0-BA66-7BED7FAA04B5}" type="datetimeFigureOut">
               <a:rPr kumimoji="1" lang="ja-JP" altLang="en-US" smtClean="0"/>
-              <a:t>2020/5/30</a:t>
+              <a:t>2020/6/6</a:t>
             </a:fld>
             <a:endParaRPr kumimoji="1" lang="ja-JP" altLang="en-US"/>
           </a:p>
@@ -2693,7 +3102,7 @@
           <a:p>
             <a:fld id="{A3DA77CD-D7BC-41B0-BA66-7BED7FAA04B5}" type="datetimeFigureOut">
               <a:rPr kumimoji="1" lang="ja-JP" altLang="en-US" smtClean="0"/>
-              <a:t>2020/5/30</a:t>
+              <a:t>2020/6/6</a:t>
             </a:fld>
             <a:endParaRPr kumimoji="1" lang="ja-JP" altLang="en-US"/>
           </a:p>
@@ -3036,7 +3445,7 @@
           <a:p>
             <a:fld id="{A3DA77CD-D7BC-41B0-BA66-7BED7FAA04B5}" type="datetimeFigureOut">
               <a:rPr kumimoji="1" lang="ja-JP" altLang="en-US" smtClean="0"/>
-              <a:t>2020/5/30</a:t>
+              <a:t>2020/6/6</a:t>
             </a:fld>
             <a:endParaRPr kumimoji="1" lang="ja-JP" altLang="en-US"/>
           </a:p>
@@ -3324,7 +3733,7 @@
           <a:p>
             <a:fld id="{A3DA77CD-D7BC-41B0-BA66-7BED7FAA04B5}" type="datetimeFigureOut">
               <a:rPr kumimoji="1" lang="ja-JP" altLang="en-US" smtClean="0"/>
-              <a:t>2020/5/30</a:t>
+              <a:t>2020/6/6</a:t>
             </a:fld>
             <a:endParaRPr kumimoji="1" lang="ja-JP" altLang="en-US"/>
           </a:p>
@@ -3597,7 +4006,7 @@
           <a:p>
             <a:fld id="{A3DA77CD-D7BC-41B0-BA66-7BED7FAA04B5}" type="datetimeFigureOut">
               <a:rPr kumimoji="1" lang="ja-JP" altLang="en-US" smtClean="0"/>
-              <a:t>2020/5/30</a:t>
+              <a:t>2020/6/6</a:t>
             </a:fld>
             <a:endParaRPr kumimoji="1" lang="ja-JP" altLang="en-US"/>
           </a:p>
@@ -6666,6 +7075,2191 @@
     <p:extLst>
       <p:ext uri="{BB962C8B-B14F-4D97-AF65-F5344CB8AC3E}">
         <p14:creationId xmlns:p14="http://schemas.microsoft.com/office/powerpoint/2010/main" val="1618401255"/>
+      </p:ext>
+    </p:extLst>
+  </p:cSld>
+  <p:clrMapOvr>
+    <a:masterClrMapping/>
+  </p:clrMapOvr>
+</p:sld>
+</file>
+
+<file path=ppt/slides/slide4.xml><?xml version="1.0" encoding="utf-8"?>
+<p:sld xmlns:a="http://schemas.openxmlformats.org/drawingml/2006/main" xmlns:r="http://schemas.openxmlformats.org/officeDocument/2006/relationships" xmlns:p="http://schemas.openxmlformats.org/presentationml/2006/main">
+  <p:cSld>
+    <p:spTree>
+      <p:nvGrpSpPr>
+        <p:cNvPr id="1" name=""/>
+        <p:cNvGrpSpPr/>
+        <p:nvPr/>
+      </p:nvGrpSpPr>
+      <p:grpSpPr>
+        <a:xfrm>
+          <a:off x="0" y="0"/>
+          <a:ext cx="0" cy="0"/>
+          <a:chOff x="0" y="0"/>
+          <a:chExt cx="0" cy="0"/>
+        </a:xfrm>
+      </p:grpSpPr>
+      <p:pic>
+        <p:nvPicPr>
+          <p:cNvPr id="6" name="図 5">
+            <a:extLst>
+              <a:ext uri="{FF2B5EF4-FFF2-40B4-BE49-F238E27FC236}">
+                <a16:creationId xmlns:a16="http://schemas.microsoft.com/office/drawing/2014/main" id="{59BCB07B-4778-45CF-88EE-F304700B2DD9}"/>
+              </a:ext>
+            </a:extLst>
+          </p:cNvPr>
+          <p:cNvPicPr>
+            <a:picLocks noChangeAspect="1"/>
+          </p:cNvPicPr>
+          <p:nvPr/>
+        </p:nvPicPr>
+        <p:blipFill>
+          <a:blip r:embed="rId2">
+            <a:extLst>
+              <a:ext uri="{28A0092B-C50C-407E-A947-70E740481C1C}">
+                <a14:useLocalDpi xmlns:a14="http://schemas.microsoft.com/office/drawing/2010/main" val="0"/>
+              </a:ext>
+            </a:extLst>
+          </a:blip>
+          <a:stretch>
+            <a:fillRect/>
+          </a:stretch>
+        </p:blipFill>
+        <p:spPr>
+          <a:xfrm>
+            <a:off x="513907" y="0"/>
+            <a:ext cx="11164185" cy="6858000"/>
+          </a:xfrm>
+          <a:prstGeom prst="rect">
+            <a:avLst/>
+          </a:prstGeom>
+          <a:ln>
+            <a:solidFill>
+              <a:schemeClr val="tx1">
+                <a:lumMod val="75000"/>
+                <a:lumOff val="25000"/>
+              </a:schemeClr>
+            </a:solidFill>
+          </a:ln>
+        </p:spPr>
+      </p:pic>
+      <p:cxnSp>
+        <p:nvCxnSpPr>
+          <p:cNvPr id="8" name="直線コネクタ 7">
+            <a:extLst>
+              <a:ext uri="{FF2B5EF4-FFF2-40B4-BE49-F238E27FC236}">
+                <a16:creationId xmlns:a16="http://schemas.microsoft.com/office/drawing/2014/main" id="{A58A74AE-55D6-4BBD-BDB6-EB0F78DC409B}"/>
+              </a:ext>
+            </a:extLst>
+          </p:cNvPr>
+          <p:cNvCxnSpPr>
+            <a:cxnSpLocks/>
+          </p:cNvCxnSpPr>
+          <p:nvPr/>
+        </p:nvCxnSpPr>
+        <p:spPr>
+          <a:xfrm>
+            <a:off x="2387588" y="6021288"/>
+            <a:ext cx="8748972" cy="0"/>
+          </a:xfrm>
+          <a:prstGeom prst="line">
+            <a:avLst/>
+          </a:prstGeom>
+          <a:ln w="57150"/>
+        </p:spPr>
+        <p:style>
+          <a:lnRef idx="1">
+            <a:schemeClr val="accent1"/>
+          </a:lnRef>
+          <a:fillRef idx="0">
+            <a:schemeClr val="accent1"/>
+          </a:fillRef>
+          <a:effectRef idx="0">
+            <a:schemeClr val="accent1"/>
+          </a:effectRef>
+          <a:fontRef idx="minor">
+            <a:schemeClr val="tx1"/>
+          </a:fontRef>
+        </p:style>
+      </p:cxnSp>
+      <p:sp>
+        <p:nvSpPr>
+          <p:cNvPr id="12" name="円弧 11">
+            <a:extLst>
+              <a:ext uri="{FF2B5EF4-FFF2-40B4-BE49-F238E27FC236}">
+                <a16:creationId xmlns:a16="http://schemas.microsoft.com/office/drawing/2014/main" id="{0AA9F818-6E84-4A25-92F8-0CC137929D65}"/>
+              </a:ext>
+            </a:extLst>
+          </p:cNvPr>
+          <p:cNvSpPr/>
+          <p:nvPr/>
+        </p:nvSpPr>
+        <p:spPr>
+          <a:xfrm>
+            <a:off x="8796300" y="5229200"/>
+            <a:ext cx="1548171" cy="1548171"/>
+          </a:xfrm>
+          <a:prstGeom prst="arc">
+            <a:avLst>
+              <a:gd name="adj1" fmla="val 14282478"/>
+              <a:gd name="adj2" fmla="val 0"/>
+            </a:avLst>
+          </a:prstGeom>
+          <a:ln w="44450">
+            <a:headEnd type="triangle" w="lg" len="lg"/>
+            <a:tailEnd type="none"/>
+          </a:ln>
+        </p:spPr>
+        <p:style>
+          <a:lnRef idx="1">
+            <a:schemeClr val="accent1"/>
+          </a:lnRef>
+          <a:fillRef idx="0">
+            <a:schemeClr val="accent1"/>
+          </a:fillRef>
+          <a:effectRef idx="0">
+            <a:schemeClr val="accent1"/>
+          </a:effectRef>
+          <a:fontRef idx="minor">
+            <a:schemeClr val="tx1"/>
+          </a:fontRef>
+        </p:style>
+        <p:txBody>
+          <a:bodyPr rtlCol="0" anchor="ctr"/>
+          <a:lstStyle/>
+          <a:p>
+            <a:pPr algn="ctr"/>
+            <a:endParaRPr kumimoji="1" lang="ja-JP" altLang="en-US"/>
+          </a:p>
+        </p:txBody>
+      </p:sp>
+      <p:sp>
+        <p:nvSpPr>
+          <p:cNvPr id="14" name="フリーフォーム: 図形 13">
+            <a:extLst>
+              <a:ext uri="{FF2B5EF4-FFF2-40B4-BE49-F238E27FC236}">
+                <a16:creationId xmlns:a16="http://schemas.microsoft.com/office/drawing/2014/main" id="{576A0C7D-420E-4DE1-8232-3BD12ABC2A97}"/>
+              </a:ext>
+            </a:extLst>
+          </p:cNvPr>
+          <p:cNvSpPr/>
+          <p:nvPr/>
+        </p:nvSpPr>
+        <p:spPr>
+          <a:xfrm>
+            <a:off x="9552385" y="4771292"/>
+            <a:ext cx="2086134" cy="457907"/>
+          </a:xfrm>
+          <a:custGeom>
+            <a:avLst/>
+            <a:gdLst>
+              <a:gd name="connsiteX0" fmla="*/ 0 w 1383323"/>
+              <a:gd name="connsiteY0" fmla="*/ 533400 h 533400"/>
+              <a:gd name="connsiteX1" fmla="*/ 351693 w 1383323"/>
+              <a:gd name="connsiteY1" fmla="*/ 0 h 533400"/>
+              <a:gd name="connsiteX2" fmla="*/ 1383323 w 1383323"/>
+              <a:gd name="connsiteY2" fmla="*/ 0 h 533400"/>
+            </a:gdLst>
+            <a:ahLst/>
+            <a:cxnLst>
+              <a:cxn ang="0">
+                <a:pos x="connsiteX0" y="connsiteY0"/>
+              </a:cxn>
+              <a:cxn ang="0">
+                <a:pos x="connsiteX1" y="connsiteY1"/>
+              </a:cxn>
+              <a:cxn ang="0">
+                <a:pos x="connsiteX2" y="connsiteY2"/>
+              </a:cxn>
+            </a:cxnLst>
+            <a:rect l="l" t="t" r="r" b="b"/>
+            <a:pathLst>
+              <a:path w="1383323" h="533400">
+                <a:moveTo>
+                  <a:pt x="0" y="533400"/>
+                </a:moveTo>
+                <a:lnTo>
+                  <a:pt x="351693" y="0"/>
+                </a:lnTo>
+                <a:lnTo>
+                  <a:pt x="1383323" y="0"/>
+                </a:lnTo>
+              </a:path>
+            </a:pathLst>
+          </a:custGeom>
+          <a:noFill/>
+          <a:ln w="50800">
+            <a:solidFill>
+              <a:schemeClr val="tx1">
+                <a:lumMod val="75000"/>
+                <a:lumOff val="25000"/>
+              </a:schemeClr>
+            </a:solidFill>
+            <a:headEnd type="oval"/>
+          </a:ln>
+          <a:effectLst>
+            <a:glow rad="38100">
+              <a:schemeClr val="bg1">
+                <a:lumMod val="85000"/>
+                <a:alpha val="51000"/>
+              </a:schemeClr>
+            </a:glow>
+          </a:effectLst>
+        </p:spPr>
+        <p:style>
+          <a:lnRef idx="2">
+            <a:schemeClr val="accent1">
+              <a:shade val="50000"/>
+            </a:schemeClr>
+          </a:lnRef>
+          <a:fillRef idx="1">
+            <a:schemeClr val="accent1"/>
+          </a:fillRef>
+          <a:effectRef idx="0">
+            <a:schemeClr val="accent1"/>
+          </a:effectRef>
+          <a:fontRef idx="minor">
+            <a:schemeClr val="lt1"/>
+          </a:fontRef>
+        </p:style>
+        <p:txBody>
+          <a:bodyPr rtlCol="0" anchor="ctr"/>
+          <a:lstStyle/>
+          <a:p>
+            <a:pPr algn="ctr"/>
+            <a:endParaRPr kumimoji="1" lang="ja-JP" altLang="en-US"/>
+          </a:p>
+        </p:txBody>
+      </p:sp>
+      <p:sp>
+        <p:nvSpPr>
+          <p:cNvPr id="16" name="テキスト ボックス 15">
+            <a:extLst>
+              <a:ext uri="{FF2B5EF4-FFF2-40B4-BE49-F238E27FC236}">
+                <a16:creationId xmlns:a16="http://schemas.microsoft.com/office/drawing/2014/main" id="{CED7D55C-DC12-4B48-AA81-9E2C48447C03}"/>
+              </a:ext>
+            </a:extLst>
+          </p:cNvPr>
+          <p:cNvSpPr txBox="1"/>
+          <p:nvPr/>
+        </p:nvSpPr>
+        <p:spPr>
+          <a:xfrm>
+            <a:off x="7777771" y="3108042"/>
+            <a:ext cx="900100" cy="523220"/>
+          </a:xfrm>
+          <a:prstGeom prst="rect">
+            <a:avLst/>
+          </a:prstGeom>
+          <a:noFill/>
+        </p:spPr>
+        <p:txBody>
+          <a:bodyPr wrap="square" rtlCol="0">
+            <a:spAutoFit/>
+          </a:bodyPr>
+          <a:lstStyle/>
+          <a:p>
+            <a:r>
+              <a:rPr kumimoji="1" lang="en-US" altLang="ja-JP" sz="2800" b="1" dirty="0" err="1">
+                <a:solidFill>
+                  <a:schemeClr val="tx1">
+                    <a:lumMod val="75000"/>
+                    <a:lumOff val="25000"/>
+                  </a:schemeClr>
+                </a:solidFill>
+              </a:rPr>
+              <a:t>D_c</a:t>
+            </a:r>
+            <a:endParaRPr kumimoji="1" lang="ja-JP" altLang="en-US" sz="2800" b="1" dirty="0">
+              <a:solidFill>
+                <a:schemeClr val="tx1">
+                  <a:lumMod val="75000"/>
+                  <a:lumOff val="25000"/>
+                </a:schemeClr>
+              </a:solidFill>
+            </a:endParaRPr>
+          </a:p>
+        </p:txBody>
+      </p:sp>
+      <p:sp>
+        <p:nvSpPr>
+          <p:cNvPr id="17" name="テキスト ボックス 16">
+            <a:extLst>
+              <a:ext uri="{FF2B5EF4-FFF2-40B4-BE49-F238E27FC236}">
+                <a16:creationId xmlns:a16="http://schemas.microsoft.com/office/drawing/2014/main" id="{F3E5C6A4-B1EA-4606-9938-F3A3472A6B4A}"/>
+              </a:ext>
+            </a:extLst>
+          </p:cNvPr>
+          <p:cNvSpPr txBox="1"/>
+          <p:nvPr/>
+        </p:nvSpPr>
+        <p:spPr>
+          <a:xfrm>
+            <a:off x="10020436" y="4293096"/>
+            <a:ext cx="1728192" cy="523220"/>
+          </a:xfrm>
+          <a:prstGeom prst="rect">
+            <a:avLst/>
+          </a:prstGeom>
+          <a:noFill/>
+        </p:spPr>
+        <p:txBody>
+          <a:bodyPr wrap="square" rtlCol="0">
+            <a:spAutoFit/>
+          </a:bodyPr>
+          <a:lstStyle/>
+          <a:p>
+            <a:r>
+              <a:rPr kumimoji="1" lang="en-US" altLang="ja-JP" sz="2800" b="1" dirty="0" err="1">
+                <a:solidFill>
+                  <a:schemeClr val="tx1">
+                    <a:lumMod val="75000"/>
+                    <a:lumOff val="25000"/>
+                  </a:schemeClr>
+                </a:solidFill>
+              </a:rPr>
+              <a:t>D_c_min</a:t>
+            </a:r>
+            <a:endParaRPr kumimoji="1" lang="ja-JP" altLang="en-US" sz="2800" b="1" dirty="0">
+              <a:solidFill>
+                <a:schemeClr val="tx1">
+                  <a:lumMod val="75000"/>
+                  <a:lumOff val="25000"/>
+                </a:schemeClr>
+              </a:solidFill>
+            </a:endParaRPr>
+          </a:p>
+        </p:txBody>
+      </p:sp>
+      <p:sp>
+        <p:nvSpPr>
+          <p:cNvPr id="18" name="円弧 17">
+            <a:extLst>
+              <a:ext uri="{FF2B5EF4-FFF2-40B4-BE49-F238E27FC236}">
+                <a16:creationId xmlns:a16="http://schemas.microsoft.com/office/drawing/2014/main" id="{5A2A8B34-67BD-4E17-8425-CB9101C3DF7A}"/>
+              </a:ext>
+            </a:extLst>
+          </p:cNvPr>
+          <p:cNvSpPr/>
+          <p:nvPr/>
+        </p:nvSpPr>
+        <p:spPr>
+          <a:xfrm>
+            <a:off x="7777772" y="4714728"/>
+            <a:ext cx="2566700" cy="2566700"/>
+          </a:xfrm>
+          <a:prstGeom prst="arc">
+            <a:avLst>
+              <a:gd name="adj1" fmla="val 10753838"/>
+              <a:gd name="adj2" fmla="val 0"/>
+            </a:avLst>
+          </a:prstGeom>
+          <a:ln w="44450">
+            <a:headEnd type="triangle" w="lg" len="lg"/>
+            <a:tailEnd type="none"/>
+          </a:ln>
+        </p:spPr>
+        <p:style>
+          <a:lnRef idx="1">
+            <a:schemeClr val="accent1"/>
+          </a:lnRef>
+          <a:fillRef idx="0">
+            <a:schemeClr val="accent1"/>
+          </a:fillRef>
+          <a:effectRef idx="0">
+            <a:schemeClr val="accent1"/>
+          </a:effectRef>
+          <a:fontRef idx="minor">
+            <a:schemeClr val="tx1"/>
+          </a:fontRef>
+        </p:style>
+        <p:txBody>
+          <a:bodyPr rtlCol="0" anchor="ctr"/>
+          <a:lstStyle/>
+          <a:p>
+            <a:pPr algn="ctr"/>
+            <a:endParaRPr kumimoji="1" lang="ja-JP" altLang="en-US"/>
+          </a:p>
+        </p:txBody>
+      </p:sp>
+      <p:sp>
+        <p:nvSpPr>
+          <p:cNvPr id="21" name="フリーフォーム: 図形 20">
+            <a:extLst>
+              <a:ext uri="{FF2B5EF4-FFF2-40B4-BE49-F238E27FC236}">
+                <a16:creationId xmlns:a16="http://schemas.microsoft.com/office/drawing/2014/main" id="{65A91F4D-3BC4-4749-8018-824C727604F6}"/>
+              </a:ext>
+            </a:extLst>
+          </p:cNvPr>
+          <p:cNvSpPr/>
+          <p:nvPr/>
+        </p:nvSpPr>
+        <p:spPr>
+          <a:xfrm>
+            <a:off x="8974015" y="3909646"/>
+            <a:ext cx="2637693" cy="791308"/>
+          </a:xfrm>
+          <a:custGeom>
+            <a:avLst/>
+            <a:gdLst>
+              <a:gd name="connsiteX0" fmla="*/ 0 w 2637693"/>
+              <a:gd name="connsiteY0" fmla="*/ 791308 h 791308"/>
+              <a:gd name="connsiteX1" fmla="*/ 1078523 w 2637693"/>
+              <a:gd name="connsiteY1" fmla="*/ 0 h 791308"/>
+              <a:gd name="connsiteX2" fmla="*/ 2637693 w 2637693"/>
+              <a:gd name="connsiteY2" fmla="*/ 0 h 791308"/>
+            </a:gdLst>
+            <a:ahLst/>
+            <a:cxnLst>
+              <a:cxn ang="0">
+                <a:pos x="connsiteX0" y="connsiteY0"/>
+              </a:cxn>
+              <a:cxn ang="0">
+                <a:pos x="connsiteX1" y="connsiteY1"/>
+              </a:cxn>
+              <a:cxn ang="0">
+                <a:pos x="connsiteX2" y="connsiteY2"/>
+              </a:cxn>
+            </a:cxnLst>
+            <a:rect l="l" t="t" r="r" b="b"/>
+            <a:pathLst>
+              <a:path w="2637693" h="791308">
+                <a:moveTo>
+                  <a:pt x="0" y="791308"/>
+                </a:moveTo>
+                <a:lnTo>
+                  <a:pt x="1078523" y="0"/>
+                </a:lnTo>
+                <a:lnTo>
+                  <a:pt x="2637693" y="0"/>
+                </a:lnTo>
+              </a:path>
+            </a:pathLst>
+          </a:custGeom>
+          <a:noFill/>
+          <a:ln w="50800">
+            <a:solidFill>
+              <a:schemeClr val="tx1">
+                <a:lumMod val="75000"/>
+                <a:lumOff val="25000"/>
+              </a:schemeClr>
+            </a:solidFill>
+            <a:headEnd type="oval"/>
+          </a:ln>
+          <a:effectLst>
+            <a:glow rad="38100">
+              <a:schemeClr val="bg1">
+                <a:lumMod val="85000"/>
+                <a:alpha val="51000"/>
+              </a:schemeClr>
+            </a:glow>
+          </a:effectLst>
+        </p:spPr>
+        <p:style>
+          <a:lnRef idx="2">
+            <a:schemeClr val="accent1">
+              <a:shade val="50000"/>
+            </a:schemeClr>
+          </a:lnRef>
+          <a:fillRef idx="1">
+            <a:schemeClr val="accent1"/>
+          </a:fillRef>
+          <a:effectRef idx="0">
+            <a:schemeClr val="accent1"/>
+          </a:effectRef>
+          <a:fontRef idx="minor">
+            <a:schemeClr val="lt1"/>
+          </a:fontRef>
+        </p:style>
+        <p:txBody>
+          <a:bodyPr rtlCol="0" anchor="ctr"/>
+          <a:lstStyle/>
+          <a:p>
+            <a:pPr algn="ctr"/>
+            <a:endParaRPr lang="ja-JP" altLang="en-US"/>
+          </a:p>
+        </p:txBody>
+      </p:sp>
+      <p:sp>
+        <p:nvSpPr>
+          <p:cNvPr id="13" name="円弧 12">
+            <a:extLst>
+              <a:ext uri="{FF2B5EF4-FFF2-40B4-BE49-F238E27FC236}">
+                <a16:creationId xmlns:a16="http://schemas.microsoft.com/office/drawing/2014/main" id="{A2B4EF13-C8C4-43CC-B5C8-E13221E1F287}"/>
+              </a:ext>
+            </a:extLst>
+          </p:cNvPr>
+          <p:cNvSpPr/>
+          <p:nvPr/>
+        </p:nvSpPr>
+        <p:spPr>
+          <a:xfrm>
+            <a:off x="6312024" y="3969061"/>
+            <a:ext cx="4032447" cy="4032447"/>
+          </a:xfrm>
+          <a:prstGeom prst="arc">
+            <a:avLst>
+              <a:gd name="adj1" fmla="val 13109251"/>
+              <a:gd name="adj2" fmla="val 0"/>
+            </a:avLst>
+          </a:prstGeom>
+          <a:ln w="44450">
+            <a:headEnd type="triangle" w="lg" len="lg"/>
+            <a:tailEnd type="none"/>
+          </a:ln>
+        </p:spPr>
+        <p:style>
+          <a:lnRef idx="1">
+            <a:schemeClr val="accent1"/>
+          </a:lnRef>
+          <a:fillRef idx="0">
+            <a:schemeClr val="accent1"/>
+          </a:fillRef>
+          <a:effectRef idx="0">
+            <a:schemeClr val="accent1"/>
+          </a:effectRef>
+          <a:fontRef idx="minor">
+            <a:schemeClr val="tx1"/>
+          </a:fontRef>
+        </p:style>
+        <p:txBody>
+          <a:bodyPr rtlCol="0" anchor="ctr"/>
+          <a:lstStyle/>
+          <a:p>
+            <a:pPr algn="ctr"/>
+            <a:endParaRPr kumimoji="1" lang="ja-JP" altLang="en-US"/>
+          </a:p>
+        </p:txBody>
+      </p:sp>
+      <p:sp>
+        <p:nvSpPr>
+          <p:cNvPr id="15" name="フリーフォーム: 図形 14">
+            <a:extLst>
+              <a:ext uri="{FF2B5EF4-FFF2-40B4-BE49-F238E27FC236}">
+                <a16:creationId xmlns:a16="http://schemas.microsoft.com/office/drawing/2014/main" id="{65A29704-0F36-4563-BC67-AD61FE6BCA23}"/>
+              </a:ext>
+            </a:extLst>
+          </p:cNvPr>
+          <p:cNvSpPr/>
+          <p:nvPr/>
+        </p:nvSpPr>
+        <p:spPr>
+          <a:xfrm>
+            <a:off x="7536160" y="3594404"/>
+            <a:ext cx="1141711" cy="533400"/>
+          </a:xfrm>
+          <a:custGeom>
+            <a:avLst/>
+            <a:gdLst>
+              <a:gd name="connsiteX0" fmla="*/ 0 w 1383323"/>
+              <a:gd name="connsiteY0" fmla="*/ 533400 h 533400"/>
+              <a:gd name="connsiteX1" fmla="*/ 351693 w 1383323"/>
+              <a:gd name="connsiteY1" fmla="*/ 0 h 533400"/>
+              <a:gd name="connsiteX2" fmla="*/ 1383323 w 1383323"/>
+              <a:gd name="connsiteY2" fmla="*/ 0 h 533400"/>
+            </a:gdLst>
+            <a:ahLst/>
+            <a:cxnLst>
+              <a:cxn ang="0">
+                <a:pos x="connsiteX0" y="connsiteY0"/>
+              </a:cxn>
+              <a:cxn ang="0">
+                <a:pos x="connsiteX1" y="connsiteY1"/>
+              </a:cxn>
+              <a:cxn ang="0">
+                <a:pos x="connsiteX2" y="connsiteY2"/>
+              </a:cxn>
+            </a:cxnLst>
+            <a:rect l="l" t="t" r="r" b="b"/>
+            <a:pathLst>
+              <a:path w="1383323" h="533400">
+                <a:moveTo>
+                  <a:pt x="0" y="533400"/>
+                </a:moveTo>
+                <a:lnTo>
+                  <a:pt x="351693" y="0"/>
+                </a:lnTo>
+                <a:lnTo>
+                  <a:pt x="1383323" y="0"/>
+                </a:lnTo>
+              </a:path>
+            </a:pathLst>
+          </a:custGeom>
+          <a:noFill/>
+          <a:ln w="50800">
+            <a:solidFill>
+              <a:schemeClr val="tx1">
+                <a:lumMod val="75000"/>
+                <a:lumOff val="25000"/>
+              </a:schemeClr>
+            </a:solidFill>
+            <a:headEnd type="oval"/>
+          </a:ln>
+          <a:effectLst>
+            <a:glow rad="38100">
+              <a:schemeClr val="bg1">
+                <a:lumMod val="85000"/>
+                <a:alpha val="51000"/>
+              </a:schemeClr>
+            </a:glow>
+          </a:effectLst>
+        </p:spPr>
+        <p:style>
+          <a:lnRef idx="2">
+            <a:schemeClr val="accent1">
+              <a:shade val="50000"/>
+            </a:schemeClr>
+          </a:lnRef>
+          <a:fillRef idx="1">
+            <a:schemeClr val="accent1"/>
+          </a:fillRef>
+          <a:effectRef idx="0">
+            <a:schemeClr val="accent1"/>
+          </a:effectRef>
+          <a:fontRef idx="minor">
+            <a:schemeClr val="lt1"/>
+          </a:fontRef>
+        </p:style>
+        <p:txBody>
+          <a:bodyPr rtlCol="0" anchor="ctr"/>
+          <a:lstStyle/>
+          <a:p>
+            <a:pPr algn="ctr"/>
+            <a:endParaRPr lang="ja-JP" altLang="en-US"/>
+          </a:p>
+        </p:txBody>
+      </p:sp>
+      <p:sp>
+        <p:nvSpPr>
+          <p:cNvPr id="22" name="テキスト ボックス 21">
+            <a:extLst>
+              <a:ext uri="{FF2B5EF4-FFF2-40B4-BE49-F238E27FC236}">
+                <a16:creationId xmlns:a16="http://schemas.microsoft.com/office/drawing/2014/main" id="{8CCC9F04-2FEF-4F68-AC4B-5499D61FDC78}"/>
+              </a:ext>
+            </a:extLst>
+          </p:cNvPr>
+          <p:cNvSpPr txBox="1"/>
+          <p:nvPr/>
+        </p:nvSpPr>
+        <p:spPr>
+          <a:xfrm>
+            <a:off x="9948428" y="3422392"/>
+            <a:ext cx="1800200" cy="523220"/>
+          </a:xfrm>
+          <a:prstGeom prst="rect">
+            <a:avLst/>
+          </a:prstGeom>
+          <a:noFill/>
+        </p:spPr>
+        <p:txBody>
+          <a:bodyPr wrap="square" rtlCol="0">
+            <a:spAutoFit/>
+          </a:bodyPr>
+          <a:lstStyle/>
+          <a:p>
+            <a:r>
+              <a:rPr kumimoji="1" lang="en-US" altLang="ja-JP" sz="2800" b="1" dirty="0" err="1">
+                <a:solidFill>
+                  <a:schemeClr val="tx1">
+                    <a:lumMod val="75000"/>
+                    <a:lumOff val="25000"/>
+                  </a:schemeClr>
+                </a:solidFill>
+              </a:rPr>
+              <a:t>D_c_max</a:t>
+            </a:r>
+            <a:endParaRPr kumimoji="1" lang="ja-JP" altLang="en-US" sz="2800" b="1" dirty="0">
+              <a:solidFill>
+                <a:schemeClr val="tx1">
+                  <a:lumMod val="75000"/>
+                  <a:lumOff val="25000"/>
+                </a:schemeClr>
+              </a:solidFill>
+            </a:endParaRPr>
+          </a:p>
+        </p:txBody>
+      </p:sp>
+      <p:cxnSp>
+        <p:nvCxnSpPr>
+          <p:cNvPr id="26" name="直線コネクタ 25">
+            <a:extLst>
+              <a:ext uri="{FF2B5EF4-FFF2-40B4-BE49-F238E27FC236}">
+                <a16:creationId xmlns:a16="http://schemas.microsoft.com/office/drawing/2014/main" id="{294106D5-9EDC-4CDD-848D-A51C45724B92}"/>
+              </a:ext>
+            </a:extLst>
+          </p:cNvPr>
+          <p:cNvCxnSpPr/>
+          <p:nvPr/>
+        </p:nvCxnSpPr>
+        <p:spPr>
+          <a:xfrm flipH="1" flipV="1">
+            <a:off x="5087888" y="3092001"/>
+            <a:ext cx="5256583" cy="2929287"/>
+          </a:xfrm>
+          <a:prstGeom prst="line">
+            <a:avLst/>
+          </a:prstGeom>
+          <a:ln w="38100">
+            <a:prstDash val="sysDash"/>
+          </a:ln>
+        </p:spPr>
+        <p:style>
+          <a:lnRef idx="1">
+            <a:schemeClr val="accent1"/>
+          </a:lnRef>
+          <a:fillRef idx="0">
+            <a:schemeClr val="accent1"/>
+          </a:fillRef>
+          <a:effectRef idx="0">
+            <a:schemeClr val="accent1"/>
+          </a:effectRef>
+          <a:fontRef idx="minor">
+            <a:schemeClr val="tx1"/>
+          </a:fontRef>
+        </p:style>
+      </p:cxnSp>
+      <p:cxnSp>
+        <p:nvCxnSpPr>
+          <p:cNvPr id="30" name="直線コネクタ 29">
+            <a:extLst>
+              <a:ext uri="{FF2B5EF4-FFF2-40B4-BE49-F238E27FC236}">
+                <a16:creationId xmlns:a16="http://schemas.microsoft.com/office/drawing/2014/main" id="{9AED3FE5-B6BB-4CDE-9AFE-503160FCD46A}"/>
+              </a:ext>
+            </a:extLst>
+          </p:cNvPr>
+          <p:cNvCxnSpPr>
+            <a:cxnSpLocks/>
+          </p:cNvCxnSpPr>
+          <p:nvPr/>
+        </p:nvCxnSpPr>
+        <p:spPr>
+          <a:xfrm flipV="1">
+            <a:off x="10130820" y="6005698"/>
+            <a:ext cx="221272" cy="601739"/>
+          </a:xfrm>
+          <a:prstGeom prst="line">
+            <a:avLst/>
+          </a:prstGeom>
+          <a:ln w="38100">
+            <a:solidFill>
+              <a:srgbClr val="71AF47"/>
+            </a:solidFill>
+            <a:prstDash val="sysDash"/>
+          </a:ln>
+        </p:spPr>
+        <p:style>
+          <a:lnRef idx="1">
+            <a:schemeClr val="accent1"/>
+          </a:lnRef>
+          <a:fillRef idx="0">
+            <a:schemeClr val="accent1"/>
+          </a:fillRef>
+          <a:effectRef idx="0">
+            <a:schemeClr val="accent1"/>
+          </a:effectRef>
+          <a:fontRef idx="minor">
+            <a:schemeClr val="tx1"/>
+          </a:fontRef>
+        </p:style>
+      </p:cxnSp>
+      <p:cxnSp>
+        <p:nvCxnSpPr>
+          <p:cNvPr id="32" name="直線コネクタ 31">
+            <a:extLst>
+              <a:ext uri="{FF2B5EF4-FFF2-40B4-BE49-F238E27FC236}">
+                <a16:creationId xmlns:a16="http://schemas.microsoft.com/office/drawing/2014/main" id="{8C1AE626-8026-4DE8-81B9-99A298922095}"/>
+              </a:ext>
+            </a:extLst>
+          </p:cNvPr>
+          <p:cNvCxnSpPr>
+            <a:cxnSpLocks/>
+          </p:cNvCxnSpPr>
+          <p:nvPr/>
+        </p:nvCxnSpPr>
+        <p:spPr>
+          <a:xfrm flipV="1">
+            <a:off x="3287090" y="3560746"/>
+            <a:ext cx="221272" cy="601739"/>
+          </a:xfrm>
+          <a:prstGeom prst="line">
+            <a:avLst/>
+          </a:prstGeom>
+          <a:ln w="38100">
+            <a:solidFill>
+              <a:srgbClr val="71AF47"/>
+            </a:solidFill>
+            <a:prstDash val="sysDash"/>
+          </a:ln>
+        </p:spPr>
+        <p:style>
+          <a:lnRef idx="1">
+            <a:schemeClr val="accent1"/>
+          </a:lnRef>
+          <a:fillRef idx="0">
+            <a:schemeClr val="accent1"/>
+          </a:fillRef>
+          <a:effectRef idx="0">
+            <a:schemeClr val="accent1"/>
+          </a:effectRef>
+          <a:fontRef idx="minor">
+            <a:schemeClr val="tx1"/>
+          </a:fontRef>
+        </p:style>
+      </p:cxnSp>
+      <p:cxnSp>
+        <p:nvCxnSpPr>
+          <p:cNvPr id="33" name="直線コネクタ 32">
+            <a:extLst>
+              <a:ext uri="{FF2B5EF4-FFF2-40B4-BE49-F238E27FC236}">
+                <a16:creationId xmlns:a16="http://schemas.microsoft.com/office/drawing/2014/main" id="{ED7C2CFB-3F18-4759-8BAB-777A3799A339}"/>
+              </a:ext>
+            </a:extLst>
+          </p:cNvPr>
+          <p:cNvCxnSpPr>
+            <a:cxnSpLocks/>
+          </p:cNvCxnSpPr>
+          <p:nvPr/>
+        </p:nvCxnSpPr>
+        <p:spPr>
+          <a:xfrm>
+            <a:off x="3362197" y="4012433"/>
+            <a:ext cx="6838259" cy="2429915"/>
+          </a:xfrm>
+          <a:prstGeom prst="line">
+            <a:avLst/>
+          </a:prstGeom>
+          <a:ln w="57150">
+            <a:solidFill>
+              <a:srgbClr val="71AF47"/>
+            </a:solidFill>
+            <a:headEnd type="triangle"/>
+            <a:tailEnd type="triangle"/>
+          </a:ln>
+        </p:spPr>
+        <p:style>
+          <a:lnRef idx="1">
+            <a:schemeClr val="accent1"/>
+          </a:lnRef>
+          <a:fillRef idx="0">
+            <a:schemeClr val="accent1"/>
+          </a:fillRef>
+          <a:effectRef idx="0">
+            <a:schemeClr val="accent1"/>
+          </a:effectRef>
+          <a:fontRef idx="minor">
+            <a:schemeClr val="tx1"/>
+          </a:fontRef>
+        </p:style>
+      </p:cxnSp>
+      <p:sp>
+        <p:nvSpPr>
+          <p:cNvPr id="36" name="フリーフォーム: 図形 35">
+            <a:extLst>
+              <a:ext uri="{FF2B5EF4-FFF2-40B4-BE49-F238E27FC236}">
+                <a16:creationId xmlns:a16="http://schemas.microsoft.com/office/drawing/2014/main" id="{FF9D1801-D5CD-4373-A7AB-F8B7E170B270}"/>
+              </a:ext>
+            </a:extLst>
+          </p:cNvPr>
+          <p:cNvSpPr/>
+          <p:nvPr/>
+        </p:nvSpPr>
+        <p:spPr>
+          <a:xfrm>
+            <a:off x="5273040" y="2171700"/>
+            <a:ext cx="2575560" cy="2506980"/>
+          </a:xfrm>
+          <a:custGeom>
+            <a:avLst/>
+            <a:gdLst>
+              <a:gd name="connsiteX0" fmla="*/ 0 w 2575560"/>
+              <a:gd name="connsiteY0" fmla="*/ 2506980 h 2506980"/>
+              <a:gd name="connsiteX1" fmla="*/ 1661160 w 2575560"/>
+              <a:gd name="connsiteY1" fmla="*/ 0 h 2506980"/>
+              <a:gd name="connsiteX2" fmla="*/ 2575560 w 2575560"/>
+              <a:gd name="connsiteY2" fmla="*/ 0 h 2506980"/>
+            </a:gdLst>
+            <a:ahLst/>
+            <a:cxnLst>
+              <a:cxn ang="0">
+                <a:pos x="connsiteX0" y="connsiteY0"/>
+              </a:cxn>
+              <a:cxn ang="0">
+                <a:pos x="connsiteX1" y="connsiteY1"/>
+              </a:cxn>
+              <a:cxn ang="0">
+                <a:pos x="connsiteX2" y="connsiteY2"/>
+              </a:cxn>
+            </a:cxnLst>
+            <a:rect l="l" t="t" r="r" b="b"/>
+            <a:pathLst>
+              <a:path w="2575560" h="2506980">
+                <a:moveTo>
+                  <a:pt x="0" y="2506980"/>
+                </a:moveTo>
+                <a:lnTo>
+                  <a:pt x="1661160" y="0"/>
+                </a:lnTo>
+                <a:lnTo>
+                  <a:pt x="2575560" y="0"/>
+                </a:lnTo>
+              </a:path>
+            </a:pathLst>
+          </a:custGeom>
+          <a:noFill/>
+          <a:ln w="50800">
+            <a:solidFill>
+              <a:schemeClr val="tx1">
+                <a:lumMod val="75000"/>
+                <a:lumOff val="25000"/>
+              </a:schemeClr>
+            </a:solidFill>
+            <a:headEnd type="oval"/>
+          </a:ln>
+          <a:effectLst>
+            <a:glow rad="38100">
+              <a:schemeClr val="bg1">
+                <a:lumMod val="85000"/>
+                <a:alpha val="51000"/>
+              </a:schemeClr>
+            </a:glow>
+          </a:effectLst>
+        </p:spPr>
+        <p:style>
+          <a:lnRef idx="2">
+            <a:schemeClr val="accent1">
+              <a:shade val="50000"/>
+            </a:schemeClr>
+          </a:lnRef>
+          <a:fillRef idx="1">
+            <a:schemeClr val="accent1"/>
+          </a:fillRef>
+          <a:effectRef idx="0">
+            <a:schemeClr val="accent1"/>
+          </a:effectRef>
+          <a:fontRef idx="minor">
+            <a:schemeClr val="lt1"/>
+          </a:fontRef>
+        </p:style>
+        <p:txBody>
+          <a:bodyPr rtlCol="0" anchor="ctr"/>
+          <a:lstStyle/>
+          <a:p>
+            <a:pPr algn="ctr"/>
+            <a:endParaRPr lang="ja-JP" altLang="en-US"/>
+          </a:p>
+        </p:txBody>
+      </p:sp>
+      <p:sp>
+        <p:nvSpPr>
+          <p:cNvPr id="37" name="テキスト ボックス 36">
+            <a:extLst>
+              <a:ext uri="{FF2B5EF4-FFF2-40B4-BE49-F238E27FC236}">
+                <a16:creationId xmlns:a16="http://schemas.microsoft.com/office/drawing/2014/main" id="{76240C87-E84A-4ACC-89CD-730664A68078}"/>
+              </a:ext>
+            </a:extLst>
+          </p:cNvPr>
+          <p:cNvSpPr txBox="1"/>
+          <p:nvPr/>
+        </p:nvSpPr>
+        <p:spPr>
+          <a:xfrm>
+            <a:off x="6913086" y="1686883"/>
+            <a:ext cx="900100" cy="523220"/>
+          </a:xfrm>
+          <a:prstGeom prst="rect">
+            <a:avLst/>
+          </a:prstGeom>
+          <a:noFill/>
+        </p:spPr>
+        <p:txBody>
+          <a:bodyPr wrap="square" rtlCol="0">
+            <a:spAutoFit/>
+          </a:bodyPr>
+          <a:lstStyle/>
+          <a:p>
+            <a:r>
+              <a:rPr lang="en-US" altLang="ja-JP" sz="2800" b="1" dirty="0" err="1">
+                <a:solidFill>
+                  <a:schemeClr val="tx1">
+                    <a:lumMod val="75000"/>
+                    <a:lumOff val="25000"/>
+                  </a:schemeClr>
+                </a:solidFill>
+              </a:rPr>
+              <a:t>R</a:t>
+            </a:r>
+            <a:r>
+              <a:rPr kumimoji="1" lang="en-US" altLang="ja-JP" sz="2800" b="1" dirty="0" err="1">
+                <a:solidFill>
+                  <a:schemeClr val="tx1">
+                    <a:lumMod val="75000"/>
+                    <a:lumOff val="25000"/>
+                  </a:schemeClr>
+                </a:solidFill>
+              </a:rPr>
+              <a:t>_c</a:t>
+            </a:r>
+            <a:endParaRPr kumimoji="1" lang="ja-JP" altLang="en-US" sz="2800" b="1" dirty="0">
+              <a:solidFill>
+                <a:schemeClr val="tx1">
+                  <a:lumMod val="75000"/>
+                  <a:lumOff val="25000"/>
+                </a:schemeClr>
+              </a:solidFill>
+            </a:endParaRPr>
+          </a:p>
+        </p:txBody>
+      </p:sp>
+    </p:spTree>
+    <p:extLst>
+      <p:ext uri="{BB962C8B-B14F-4D97-AF65-F5344CB8AC3E}">
+        <p14:creationId xmlns:p14="http://schemas.microsoft.com/office/powerpoint/2010/main" val="2455791266"/>
+      </p:ext>
+    </p:extLst>
+  </p:cSld>
+  <p:clrMapOvr>
+    <a:masterClrMapping/>
+  </p:clrMapOvr>
+</p:sld>
+</file>
+
+<file path=ppt/slides/slide5.xml><?xml version="1.0" encoding="utf-8"?>
+<p:sld xmlns:a="http://schemas.openxmlformats.org/drawingml/2006/main" xmlns:r="http://schemas.openxmlformats.org/officeDocument/2006/relationships" xmlns:p="http://schemas.openxmlformats.org/presentationml/2006/main">
+  <p:cSld>
+    <p:spTree>
+      <p:nvGrpSpPr>
+        <p:cNvPr id="1" name=""/>
+        <p:cNvGrpSpPr/>
+        <p:nvPr/>
+      </p:nvGrpSpPr>
+      <p:grpSpPr>
+        <a:xfrm>
+          <a:off x="0" y="0"/>
+          <a:ext cx="0" cy="0"/>
+          <a:chOff x="0" y="0"/>
+          <a:chExt cx="0" cy="0"/>
+        </a:xfrm>
+      </p:grpSpPr>
+      <p:pic>
+        <p:nvPicPr>
+          <p:cNvPr id="5" name="図 4">
+            <a:extLst>
+              <a:ext uri="{FF2B5EF4-FFF2-40B4-BE49-F238E27FC236}">
+                <a16:creationId xmlns:a16="http://schemas.microsoft.com/office/drawing/2014/main" id="{61837FEE-2866-47C6-A6A8-A39D3DBAF283}"/>
+              </a:ext>
+            </a:extLst>
+          </p:cNvPr>
+          <p:cNvPicPr>
+            <a:picLocks noChangeAspect="1"/>
+          </p:cNvPicPr>
+          <p:nvPr/>
+        </p:nvPicPr>
+        <p:blipFill>
+          <a:blip r:embed="rId2">
+            <a:extLst>
+              <a:ext uri="{28A0092B-C50C-407E-A947-70E740481C1C}">
+                <a14:useLocalDpi xmlns:a14="http://schemas.microsoft.com/office/drawing/2010/main" val="0"/>
+              </a:ext>
+            </a:extLst>
+          </a:blip>
+          <a:stretch>
+            <a:fillRect/>
+          </a:stretch>
+        </p:blipFill>
+        <p:spPr>
+          <a:xfrm>
+            <a:off x="513907" y="-11660"/>
+            <a:ext cx="11164185" cy="6858000"/>
+          </a:xfrm>
+          <a:prstGeom prst="rect">
+            <a:avLst/>
+          </a:prstGeom>
+          <a:ln>
+            <a:solidFill>
+              <a:schemeClr val="tx1">
+                <a:lumMod val="75000"/>
+                <a:lumOff val="25000"/>
+              </a:schemeClr>
+            </a:solidFill>
+          </a:ln>
+        </p:spPr>
+      </p:pic>
+      <p:cxnSp>
+        <p:nvCxnSpPr>
+          <p:cNvPr id="6" name="直線コネクタ 5">
+            <a:extLst>
+              <a:ext uri="{FF2B5EF4-FFF2-40B4-BE49-F238E27FC236}">
+                <a16:creationId xmlns:a16="http://schemas.microsoft.com/office/drawing/2014/main" id="{31972D1D-C652-4961-9888-9E27C93C3E2D}"/>
+              </a:ext>
+            </a:extLst>
+          </p:cNvPr>
+          <p:cNvCxnSpPr>
+            <a:cxnSpLocks/>
+          </p:cNvCxnSpPr>
+          <p:nvPr/>
+        </p:nvCxnSpPr>
+        <p:spPr>
+          <a:xfrm>
+            <a:off x="1559496" y="2996952"/>
+            <a:ext cx="7380820" cy="0"/>
+          </a:xfrm>
+          <a:prstGeom prst="line">
+            <a:avLst/>
+          </a:prstGeom>
+          <a:ln w="57150">
+            <a:solidFill>
+              <a:schemeClr val="accent2">
+                <a:lumMod val="75000"/>
+              </a:schemeClr>
+            </a:solidFill>
+          </a:ln>
+        </p:spPr>
+        <p:style>
+          <a:lnRef idx="1">
+            <a:schemeClr val="accent1"/>
+          </a:lnRef>
+          <a:fillRef idx="0">
+            <a:schemeClr val="accent1"/>
+          </a:fillRef>
+          <a:effectRef idx="0">
+            <a:schemeClr val="accent1"/>
+          </a:effectRef>
+          <a:fontRef idx="minor">
+            <a:schemeClr val="tx1"/>
+          </a:fontRef>
+        </p:style>
+      </p:cxnSp>
+      <p:sp>
+        <p:nvSpPr>
+          <p:cNvPr id="8" name="円弧 7">
+            <a:extLst>
+              <a:ext uri="{FF2B5EF4-FFF2-40B4-BE49-F238E27FC236}">
+                <a16:creationId xmlns:a16="http://schemas.microsoft.com/office/drawing/2014/main" id="{258F528B-56E1-4DF2-978D-51109D2334F7}"/>
+              </a:ext>
+            </a:extLst>
+          </p:cNvPr>
+          <p:cNvSpPr/>
+          <p:nvPr/>
+        </p:nvSpPr>
+        <p:spPr>
+          <a:xfrm flipV="1">
+            <a:off x="1559496" y="1284000"/>
+            <a:ext cx="3408193" cy="3408188"/>
+          </a:xfrm>
+          <a:prstGeom prst="arc">
+            <a:avLst>
+              <a:gd name="adj1" fmla="val 20575946"/>
+              <a:gd name="adj2" fmla="val 0"/>
+            </a:avLst>
+          </a:prstGeom>
+          <a:ln w="44450">
+            <a:solidFill>
+              <a:schemeClr val="accent2">
+                <a:lumMod val="75000"/>
+              </a:schemeClr>
+            </a:solidFill>
+            <a:headEnd type="triangle" w="lg" len="lg"/>
+            <a:tailEnd type="none"/>
+          </a:ln>
+        </p:spPr>
+        <p:style>
+          <a:lnRef idx="1">
+            <a:schemeClr val="accent1"/>
+          </a:lnRef>
+          <a:fillRef idx="0">
+            <a:schemeClr val="accent1"/>
+          </a:fillRef>
+          <a:effectRef idx="0">
+            <a:schemeClr val="accent1"/>
+          </a:effectRef>
+          <a:fontRef idx="minor">
+            <a:schemeClr val="tx1"/>
+          </a:fontRef>
+        </p:style>
+        <p:txBody>
+          <a:bodyPr rtlCol="0" anchor="ctr"/>
+          <a:lstStyle/>
+          <a:p>
+            <a:pPr algn="ctr"/>
+            <a:endParaRPr kumimoji="1" lang="ja-JP" altLang="en-US"/>
+          </a:p>
+        </p:txBody>
+      </p:sp>
+      <p:cxnSp>
+        <p:nvCxnSpPr>
+          <p:cNvPr id="10" name="直線コネクタ 9">
+            <a:extLst>
+              <a:ext uri="{FF2B5EF4-FFF2-40B4-BE49-F238E27FC236}">
+                <a16:creationId xmlns:a16="http://schemas.microsoft.com/office/drawing/2014/main" id="{D1C22893-F3FF-4FB0-848C-5A59AD71C523}"/>
+              </a:ext>
+            </a:extLst>
+          </p:cNvPr>
+          <p:cNvCxnSpPr/>
+          <p:nvPr/>
+        </p:nvCxnSpPr>
+        <p:spPr>
+          <a:xfrm>
+            <a:off x="1553400" y="440668"/>
+            <a:ext cx="0" cy="5688632"/>
+          </a:xfrm>
+          <a:prstGeom prst="line">
+            <a:avLst/>
+          </a:prstGeom>
+          <a:ln w="57150">
+            <a:solidFill>
+              <a:schemeClr val="accent2">
+                <a:lumMod val="75000"/>
+              </a:schemeClr>
+            </a:solidFill>
+          </a:ln>
+        </p:spPr>
+        <p:style>
+          <a:lnRef idx="1">
+            <a:schemeClr val="accent1"/>
+          </a:lnRef>
+          <a:fillRef idx="0">
+            <a:schemeClr val="accent1"/>
+          </a:fillRef>
+          <a:effectRef idx="0">
+            <a:schemeClr val="accent1"/>
+          </a:effectRef>
+          <a:fontRef idx="minor">
+            <a:schemeClr val="tx1"/>
+          </a:fontRef>
+        </p:style>
+      </p:cxnSp>
+      <p:sp>
+        <p:nvSpPr>
+          <p:cNvPr id="11" name="円弧 10">
+            <a:extLst>
+              <a:ext uri="{FF2B5EF4-FFF2-40B4-BE49-F238E27FC236}">
+                <a16:creationId xmlns:a16="http://schemas.microsoft.com/office/drawing/2014/main" id="{EE84C9A5-3F32-4F07-B5B0-53B49BCE2FE4}"/>
+              </a:ext>
+            </a:extLst>
+          </p:cNvPr>
+          <p:cNvSpPr/>
+          <p:nvPr/>
+        </p:nvSpPr>
+        <p:spPr>
+          <a:xfrm>
+            <a:off x="1567879" y="1124744"/>
+            <a:ext cx="3736033" cy="3736028"/>
+          </a:xfrm>
+          <a:prstGeom prst="arc">
+            <a:avLst>
+              <a:gd name="adj1" fmla="val 20481644"/>
+              <a:gd name="adj2" fmla="val 0"/>
+            </a:avLst>
+          </a:prstGeom>
+          <a:ln w="44450">
+            <a:solidFill>
+              <a:schemeClr val="accent2">
+                <a:lumMod val="75000"/>
+              </a:schemeClr>
+            </a:solidFill>
+            <a:headEnd type="triangle" w="lg" len="lg"/>
+            <a:tailEnd type="none"/>
+          </a:ln>
+        </p:spPr>
+        <p:style>
+          <a:lnRef idx="1">
+            <a:schemeClr val="accent1"/>
+          </a:lnRef>
+          <a:fillRef idx="0">
+            <a:schemeClr val="accent1"/>
+          </a:fillRef>
+          <a:effectRef idx="0">
+            <a:schemeClr val="accent1"/>
+          </a:effectRef>
+          <a:fontRef idx="minor">
+            <a:schemeClr val="tx1"/>
+          </a:fontRef>
+        </p:style>
+        <p:txBody>
+          <a:bodyPr rtlCol="0" anchor="ctr"/>
+          <a:lstStyle/>
+          <a:p>
+            <a:pPr algn="ctr"/>
+            <a:endParaRPr kumimoji="1" lang="ja-JP" altLang="en-US"/>
+          </a:p>
+        </p:txBody>
+      </p:sp>
+      <p:sp>
+        <p:nvSpPr>
+          <p:cNvPr id="14" name="テキスト ボックス 13">
+            <a:extLst>
+              <a:ext uri="{FF2B5EF4-FFF2-40B4-BE49-F238E27FC236}">
+                <a16:creationId xmlns:a16="http://schemas.microsoft.com/office/drawing/2014/main" id="{EC244DA7-1082-451D-B223-1306DEF21D5D}"/>
+              </a:ext>
+            </a:extLst>
+          </p:cNvPr>
+          <p:cNvSpPr txBox="1"/>
+          <p:nvPr/>
+        </p:nvSpPr>
+        <p:spPr>
+          <a:xfrm>
+            <a:off x="6132004" y="1133133"/>
+            <a:ext cx="900100" cy="523220"/>
+          </a:xfrm>
+          <a:prstGeom prst="rect">
+            <a:avLst/>
+          </a:prstGeom>
+          <a:noFill/>
+        </p:spPr>
+        <p:txBody>
+          <a:bodyPr wrap="square" rtlCol="0">
+            <a:spAutoFit/>
+          </a:bodyPr>
+          <a:lstStyle/>
+          <a:p>
+            <a:r>
+              <a:rPr kumimoji="1" lang="en-US" altLang="ja-JP" sz="2800" b="1" dirty="0" err="1">
+                <a:solidFill>
+                  <a:schemeClr val="tx1">
+                    <a:lumMod val="75000"/>
+                    <a:lumOff val="25000"/>
+                  </a:schemeClr>
+                </a:solidFill>
+              </a:rPr>
+              <a:t>D_l</a:t>
+            </a:r>
+            <a:endParaRPr kumimoji="1" lang="ja-JP" altLang="en-US" sz="2800" b="1" dirty="0">
+              <a:solidFill>
+                <a:schemeClr val="tx1">
+                  <a:lumMod val="75000"/>
+                  <a:lumOff val="25000"/>
+                </a:schemeClr>
+              </a:solidFill>
+            </a:endParaRPr>
+          </a:p>
+        </p:txBody>
+      </p:sp>
+      <p:sp>
+        <p:nvSpPr>
+          <p:cNvPr id="16" name="フリーフォーム: 図形 15">
+            <a:extLst>
+              <a:ext uri="{FF2B5EF4-FFF2-40B4-BE49-F238E27FC236}">
+                <a16:creationId xmlns:a16="http://schemas.microsoft.com/office/drawing/2014/main" id="{234B7E4C-EE77-4752-AE44-87A83BA6A437}"/>
+              </a:ext>
+            </a:extLst>
+          </p:cNvPr>
+          <p:cNvSpPr/>
+          <p:nvPr/>
+        </p:nvSpPr>
+        <p:spPr>
+          <a:xfrm>
+            <a:off x="5288280" y="1615440"/>
+            <a:ext cx="1743824" cy="1158240"/>
+          </a:xfrm>
+          <a:custGeom>
+            <a:avLst/>
+            <a:gdLst>
+              <a:gd name="connsiteX0" fmla="*/ 0 w 1905000"/>
+              <a:gd name="connsiteY0" fmla="*/ 1158240 h 1158240"/>
+              <a:gd name="connsiteX1" fmla="*/ 929640 w 1905000"/>
+              <a:gd name="connsiteY1" fmla="*/ 0 h 1158240"/>
+              <a:gd name="connsiteX2" fmla="*/ 1905000 w 1905000"/>
+              <a:gd name="connsiteY2" fmla="*/ 0 h 1158240"/>
+            </a:gdLst>
+            <a:ahLst/>
+            <a:cxnLst>
+              <a:cxn ang="0">
+                <a:pos x="connsiteX0" y="connsiteY0"/>
+              </a:cxn>
+              <a:cxn ang="0">
+                <a:pos x="connsiteX1" y="connsiteY1"/>
+              </a:cxn>
+              <a:cxn ang="0">
+                <a:pos x="connsiteX2" y="connsiteY2"/>
+              </a:cxn>
+            </a:cxnLst>
+            <a:rect l="l" t="t" r="r" b="b"/>
+            <a:pathLst>
+              <a:path w="1905000" h="1158240">
+                <a:moveTo>
+                  <a:pt x="0" y="1158240"/>
+                </a:moveTo>
+                <a:lnTo>
+                  <a:pt x="929640" y="0"/>
+                </a:lnTo>
+                <a:lnTo>
+                  <a:pt x="1905000" y="0"/>
+                </a:lnTo>
+              </a:path>
+            </a:pathLst>
+          </a:custGeom>
+          <a:noFill/>
+          <a:ln w="50800">
+            <a:solidFill>
+              <a:schemeClr val="tx1">
+                <a:lumMod val="75000"/>
+                <a:lumOff val="25000"/>
+              </a:schemeClr>
+            </a:solidFill>
+            <a:headEnd type="oval"/>
+          </a:ln>
+          <a:effectLst>
+            <a:glow rad="38100">
+              <a:schemeClr val="bg1">
+                <a:lumMod val="85000"/>
+                <a:alpha val="51000"/>
+              </a:schemeClr>
+            </a:glow>
+          </a:effectLst>
+        </p:spPr>
+        <p:style>
+          <a:lnRef idx="2">
+            <a:schemeClr val="accent1">
+              <a:shade val="50000"/>
+            </a:schemeClr>
+          </a:lnRef>
+          <a:fillRef idx="1">
+            <a:schemeClr val="accent1"/>
+          </a:fillRef>
+          <a:effectRef idx="0">
+            <a:schemeClr val="accent1"/>
+          </a:effectRef>
+          <a:fontRef idx="minor">
+            <a:schemeClr val="lt1"/>
+          </a:fontRef>
+        </p:style>
+        <p:txBody>
+          <a:bodyPr rtlCol="0" anchor="ctr"/>
+          <a:lstStyle/>
+          <a:p>
+            <a:pPr algn="ctr"/>
+            <a:endParaRPr lang="ja-JP" altLang="en-US"/>
+          </a:p>
+        </p:txBody>
+      </p:sp>
+      <p:sp>
+        <p:nvSpPr>
+          <p:cNvPr id="17" name="フリーフォーム: 図形 16">
+            <a:extLst>
+              <a:ext uri="{FF2B5EF4-FFF2-40B4-BE49-F238E27FC236}">
+                <a16:creationId xmlns:a16="http://schemas.microsoft.com/office/drawing/2014/main" id="{A07F469B-3364-46DA-8668-D313A8689B11}"/>
+              </a:ext>
+            </a:extLst>
+          </p:cNvPr>
+          <p:cNvSpPr/>
+          <p:nvPr/>
+        </p:nvSpPr>
+        <p:spPr>
+          <a:xfrm>
+            <a:off x="4953000" y="3147060"/>
+            <a:ext cx="3055620" cy="1501140"/>
+          </a:xfrm>
+          <a:custGeom>
+            <a:avLst/>
+            <a:gdLst>
+              <a:gd name="connsiteX0" fmla="*/ 0 w 3055620"/>
+              <a:gd name="connsiteY0" fmla="*/ 0 h 1501140"/>
+              <a:gd name="connsiteX1" fmla="*/ 1409700 w 3055620"/>
+              <a:gd name="connsiteY1" fmla="*/ 1501140 h 1501140"/>
+              <a:gd name="connsiteX2" fmla="*/ 3055620 w 3055620"/>
+              <a:gd name="connsiteY2" fmla="*/ 1501140 h 1501140"/>
+            </a:gdLst>
+            <a:ahLst/>
+            <a:cxnLst>
+              <a:cxn ang="0">
+                <a:pos x="connsiteX0" y="connsiteY0"/>
+              </a:cxn>
+              <a:cxn ang="0">
+                <a:pos x="connsiteX1" y="connsiteY1"/>
+              </a:cxn>
+              <a:cxn ang="0">
+                <a:pos x="connsiteX2" y="connsiteY2"/>
+              </a:cxn>
+            </a:cxnLst>
+            <a:rect l="l" t="t" r="r" b="b"/>
+            <a:pathLst>
+              <a:path w="3055620" h="1501140">
+                <a:moveTo>
+                  <a:pt x="0" y="0"/>
+                </a:moveTo>
+                <a:lnTo>
+                  <a:pt x="1409700" y="1501140"/>
+                </a:lnTo>
+                <a:lnTo>
+                  <a:pt x="3055620" y="1501140"/>
+                </a:lnTo>
+              </a:path>
+            </a:pathLst>
+          </a:custGeom>
+          <a:noFill/>
+          <a:ln w="50800">
+            <a:solidFill>
+              <a:schemeClr val="tx1">
+                <a:lumMod val="75000"/>
+                <a:lumOff val="25000"/>
+              </a:schemeClr>
+            </a:solidFill>
+            <a:headEnd type="oval"/>
+          </a:ln>
+          <a:effectLst>
+            <a:glow rad="38100">
+              <a:schemeClr val="bg1">
+                <a:lumMod val="85000"/>
+                <a:alpha val="51000"/>
+              </a:schemeClr>
+            </a:glow>
+          </a:effectLst>
+        </p:spPr>
+        <p:style>
+          <a:lnRef idx="2">
+            <a:schemeClr val="accent1">
+              <a:shade val="50000"/>
+            </a:schemeClr>
+          </a:lnRef>
+          <a:fillRef idx="1">
+            <a:schemeClr val="accent1"/>
+          </a:fillRef>
+          <a:effectRef idx="0">
+            <a:schemeClr val="accent1"/>
+          </a:effectRef>
+          <a:fontRef idx="minor">
+            <a:schemeClr val="lt1"/>
+          </a:fontRef>
+        </p:style>
+        <p:txBody>
+          <a:bodyPr rtlCol="0" anchor="ctr"/>
+          <a:lstStyle/>
+          <a:p>
+            <a:pPr algn="ctr"/>
+            <a:endParaRPr lang="ja-JP" altLang="en-US"/>
+          </a:p>
+        </p:txBody>
+      </p:sp>
+      <p:sp>
+        <p:nvSpPr>
+          <p:cNvPr id="19" name="テキスト ボックス 18">
+            <a:extLst>
+              <a:ext uri="{FF2B5EF4-FFF2-40B4-BE49-F238E27FC236}">
+                <a16:creationId xmlns:a16="http://schemas.microsoft.com/office/drawing/2014/main" id="{0812D4FC-F753-421C-918F-A597B3F70B1A}"/>
+              </a:ext>
+            </a:extLst>
+          </p:cNvPr>
+          <p:cNvSpPr txBox="1"/>
+          <p:nvPr/>
+        </p:nvSpPr>
+        <p:spPr>
+          <a:xfrm>
+            <a:off x="6312024" y="4171940"/>
+            <a:ext cx="1800200" cy="523220"/>
+          </a:xfrm>
+          <a:prstGeom prst="rect">
+            <a:avLst/>
+          </a:prstGeom>
+          <a:noFill/>
+        </p:spPr>
+        <p:txBody>
+          <a:bodyPr wrap="square" rtlCol="0">
+            <a:spAutoFit/>
+          </a:bodyPr>
+          <a:lstStyle/>
+          <a:p>
+            <a:r>
+              <a:rPr kumimoji="1" lang="en-US" altLang="ja-JP" sz="2800" b="1" dirty="0" err="1">
+                <a:solidFill>
+                  <a:schemeClr val="tx1">
+                    <a:lumMod val="75000"/>
+                    <a:lumOff val="25000"/>
+                  </a:schemeClr>
+                </a:solidFill>
+              </a:rPr>
+              <a:t>D_l_max</a:t>
+            </a:r>
+            <a:endParaRPr kumimoji="1" lang="ja-JP" altLang="en-US" sz="2800" b="1" dirty="0">
+              <a:solidFill>
+                <a:schemeClr val="tx1">
+                  <a:lumMod val="75000"/>
+                  <a:lumOff val="25000"/>
+                </a:schemeClr>
+              </a:solidFill>
+            </a:endParaRPr>
+          </a:p>
+        </p:txBody>
+      </p:sp>
+      <p:sp>
+        <p:nvSpPr>
+          <p:cNvPr id="20" name="テキスト ボックス 19">
+            <a:extLst>
+              <a:ext uri="{FF2B5EF4-FFF2-40B4-BE49-F238E27FC236}">
+                <a16:creationId xmlns:a16="http://schemas.microsoft.com/office/drawing/2014/main" id="{1CE29A6D-FFB6-4ECA-A17C-2371252E38E3}"/>
+              </a:ext>
+            </a:extLst>
+          </p:cNvPr>
+          <p:cNvSpPr txBox="1"/>
+          <p:nvPr/>
+        </p:nvSpPr>
+        <p:spPr>
+          <a:xfrm>
+            <a:off x="6312024" y="5137574"/>
+            <a:ext cx="1800200" cy="523220"/>
+          </a:xfrm>
+          <a:prstGeom prst="rect">
+            <a:avLst/>
+          </a:prstGeom>
+          <a:noFill/>
+        </p:spPr>
+        <p:txBody>
+          <a:bodyPr wrap="square" rtlCol="0">
+            <a:spAutoFit/>
+          </a:bodyPr>
+          <a:lstStyle/>
+          <a:p>
+            <a:r>
+              <a:rPr kumimoji="1" lang="en-US" altLang="ja-JP" sz="2800" b="1" dirty="0" err="1">
+                <a:solidFill>
+                  <a:schemeClr val="tx1">
+                    <a:lumMod val="75000"/>
+                    <a:lumOff val="25000"/>
+                  </a:schemeClr>
+                </a:solidFill>
+              </a:rPr>
+              <a:t>D_l_min</a:t>
+            </a:r>
+            <a:endParaRPr kumimoji="1" lang="ja-JP" altLang="en-US" sz="2800" b="1" dirty="0">
+              <a:solidFill>
+                <a:schemeClr val="tx1">
+                  <a:lumMod val="75000"/>
+                  <a:lumOff val="25000"/>
+                </a:schemeClr>
+              </a:solidFill>
+            </a:endParaRPr>
+          </a:p>
+        </p:txBody>
+      </p:sp>
+      <p:cxnSp>
+        <p:nvCxnSpPr>
+          <p:cNvPr id="22" name="直線コネクタ 21">
+            <a:extLst>
+              <a:ext uri="{FF2B5EF4-FFF2-40B4-BE49-F238E27FC236}">
+                <a16:creationId xmlns:a16="http://schemas.microsoft.com/office/drawing/2014/main" id="{EF257847-5D1B-497F-9D43-3EA7B170E671}"/>
+              </a:ext>
+            </a:extLst>
+          </p:cNvPr>
+          <p:cNvCxnSpPr>
+            <a:cxnSpLocks/>
+          </p:cNvCxnSpPr>
+          <p:nvPr/>
+        </p:nvCxnSpPr>
+        <p:spPr>
+          <a:xfrm flipH="1" flipV="1">
+            <a:off x="4554091" y="1740992"/>
+            <a:ext cx="124609" cy="744284"/>
+          </a:xfrm>
+          <a:prstGeom prst="line">
+            <a:avLst/>
+          </a:prstGeom>
+          <a:ln w="38100">
+            <a:solidFill>
+              <a:srgbClr val="71AF47"/>
+            </a:solidFill>
+            <a:prstDash val="sysDash"/>
+          </a:ln>
+        </p:spPr>
+        <p:style>
+          <a:lnRef idx="1">
+            <a:schemeClr val="accent1"/>
+          </a:lnRef>
+          <a:fillRef idx="0">
+            <a:schemeClr val="accent1"/>
+          </a:fillRef>
+          <a:effectRef idx="0">
+            <a:schemeClr val="accent1"/>
+          </a:effectRef>
+          <a:fontRef idx="minor">
+            <a:schemeClr val="tx1"/>
+          </a:fontRef>
+        </p:style>
+      </p:cxnSp>
+      <p:cxnSp>
+        <p:nvCxnSpPr>
+          <p:cNvPr id="24" name="直線コネクタ 23">
+            <a:extLst>
+              <a:ext uri="{FF2B5EF4-FFF2-40B4-BE49-F238E27FC236}">
+                <a16:creationId xmlns:a16="http://schemas.microsoft.com/office/drawing/2014/main" id="{F1427B97-B31A-4413-9F5C-C19FB8E42DEF}"/>
+              </a:ext>
+            </a:extLst>
+          </p:cNvPr>
+          <p:cNvCxnSpPr>
+            <a:cxnSpLocks/>
+          </p:cNvCxnSpPr>
+          <p:nvPr/>
+        </p:nvCxnSpPr>
+        <p:spPr>
+          <a:xfrm flipH="1" flipV="1">
+            <a:off x="1421015" y="2194560"/>
+            <a:ext cx="130861" cy="781628"/>
+          </a:xfrm>
+          <a:prstGeom prst="line">
+            <a:avLst/>
+          </a:prstGeom>
+          <a:ln w="38100">
+            <a:solidFill>
+              <a:srgbClr val="71AF47"/>
+            </a:solidFill>
+            <a:prstDash val="sysDash"/>
+          </a:ln>
+        </p:spPr>
+        <p:style>
+          <a:lnRef idx="1">
+            <a:schemeClr val="accent1"/>
+          </a:lnRef>
+          <a:fillRef idx="0">
+            <a:schemeClr val="accent1"/>
+          </a:fillRef>
+          <a:effectRef idx="0">
+            <a:schemeClr val="accent1"/>
+          </a:effectRef>
+          <a:fontRef idx="minor">
+            <a:schemeClr val="tx1"/>
+          </a:fontRef>
+        </p:style>
+      </p:cxnSp>
+      <p:sp>
+        <p:nvSpPr>
+          <p:cNvPr id="13" name="円弧 12">
+            <a:extLst>
+              <a:ext uri="{FF2B5EF4-FFF2-40B4-BE49-F238E27FC236}">
+                <a16:creationId xmlns:a16="http://schemas.microsoft.com/office/drawing/2014/main" id="{4272A239-0646-45B0-BE87-05345B5D2E06}"/>
+              </a:ext>
+            </a:extLst>
+          </p:cNvPr>
+          <p:cNvSpPr/>
+          <p:nvPr/>
+        </p:nvSpPr>
+        <p:spPr>
+          <a:xfrm>
+            <a:off x="-176316" y="1117892"/>
+            <a:ext cx="3890093" cy="3736028"/>
+          </a:xfrm>
+          <a:prstGeom prst="arc">
+            <a:avLst>
+              <a:gd name="adj1" fmla="val 15828555"/>
+              <a:gd name="adj2" fmla="val 0"/>
+            </a:avLst>
+          </a:prstGeom>
+          <a:ln w="44450">
+            <a:solidFill>
+              <a:schemeClr val="accent2">
+                <a:lumMod val="75000"/>
+              </a:schemeClr>
+            </a:solidFill>
+            <a:headEnd type="triangle" w="lg" len="lg"/>
+            <a:tailEnd type="none"/>
+          </a:ln>
+        </p:spPr>
+        <p:style>
+          <a:lnRef idx="1">
+            <a:schemeClr val="accent1"/>
+          </a:lnRef>
+          <a:fillRef idx="0">
+            <a:schemeClr val="accent1"/>
+          </a:fillRef>
+          <a:effectRef idx="0">
+            <a:schemeClr val="accent1"/>
+          </a:effectRef>
+          <a:fontRef idx="minor">
+            <a:schemeClr val="tx1"/>
+          </a:fontRef>
+        </p:style>
+        <p:txBody>
+          <a:bodyPr rtlCol="0" anchor="ctr"/>
+          <a:lstStyle/>
+          <a:p>
+            <a:pPr algn="ctr"/>
+            <a:endParaRPr kumimoji="1" lang="ja-JP" altLang="en-US" dirty="0"/>
+          </a:p>
+        </p:txBody>
+      </p:sp>
+      <p:sp>
+        <p:nvSpPr>
+          <p:cNvPr id="18" name="フリーフォーム: 図形 17">
+            <a:extLst>
+              <a:ext uri="{FF2B5EF4-FFF2-40B4-BE49-F238E27FC236}">
+                <a16:creationId xmlns:a16="http://schemas.microsoft.com/office/drawing/2014/main" id="{91D4C875-0DE8-44C5-8DB1-F4B76ACA80DA}"/>
+              </a:ext>
+            </a:extLst>
+          </p:cNvPr>
+          <p:cNvSpPr/>
+          <p:nvPr/>
+        </p:nvSpPr>
+        <p:spPr>
+          <a:xfrm>
+            <a:off x="3581400" y="2354580"/>
+            <a:ext cx="4442460" cy="3284220"/>
+          </a:xfrm>
+          <a:custGeom>
+            <a:avLst/>
+            <a:gdLst>
+              <a:gd name="connsiteX0" fmla="*/ 0 w 4442460"/>
+              <a:gd name="connsiteY0" fmla="*/ 0 h 3284220"/>
+              <a:gd name="connsiteX1" fmla="*/ 2781300 w 4442460"/>
+              <a:gd name="connsiteY1" fmla="*/ 3284220 h 3284220"/>
+              <a:gd name="connsiteX2" fmla="*/ 4442460 w 4442460"/>
+              <a:gd name="connsiteY2" fmla="*/ 3284220 h 3284220"/>
+            </a:gdLst>
+            <a:ahLst/>
+            <a:cxnLst>
+              <a:cxn ang="0">
+                <a:pos x="connsiteX0" y="connsiteY0"/>
+              </a:cxn>
+              <a:cxn ang="0">
+                <a:pos x="connsiteX1" y="connsiteY1"/>
+              </a:cxn>
+              <a:cxn ang="0">
+                <a:pos x="connsiteX2" y="connsiteY2"/>
+              </a:cxn>
+            </a:cxnLst>
+            <a:rect l="l" t="t" r="r" b="b"/>
+            <a:pathLst>
+              <a:path w="4442460" h="3284220">
+                <a:moveTo>
+                  <a:pt x="0" y="0"/>
+                </a:moveTo>
+                <a:lnTo>
+                  <a:pt x="2781300" y="3284220"/>
+                </a:lnTo>
+                <a:lnTo>
+                  <a:pt x="4442460" y="3284220"/>
+                </a:lnTo>
+              </a:path>
+            </a:pathLst>
+          </a:custGeom>
+          <a:noFill/>
+          <a:ln w="50800">
+            <a:solidFill>
+              <a:schemeClr val="tx1">
+                <a:lumMod val="75000"/>
+                <a:lumOff val="25000"/>
+              </a:schemeClr>
+            </a:solidFill>
+            <a:headEnd type="oval"/>
+          </a:ln>
+          <a:effectLst>
+            <a:glow rad="38100">
+              <a:schemeClr val="bg1">
+                <a:lumMod val="85000"/>
+                <a:alpha val="51000"/>
+              </a:schemeClr>
+            </a:glow>
+          </a:effectLst>
+        </p:spPr>
+        <p:style>
+          <a:lnRef idx="2">
+            <a:schemeClr val="accent1">
+              <a:shade val="50000"/>
+            </a:schemeClr>
+          </a:lnRef>
+          <a:fillRef idx="1">
+            <a:schemeClr val="accent1"/>
+          </a:fillRef>
+          <a:effectRef idx="0">
+            <a:schemeClr val="accent1"/>
+          </a:effectRef>
+          <a:fontRef idx="minor">
+            <a:schemeClr val="lt1"/>
+          </a:fontRef>
+        </p:style>
+        <p:txBody>
+          <a:bodyPr rtlCol="0" anchor="ctr"/>
+          <a:lstStyle/>
+          <a:p>
+            <a:pPr algn="ctr"/>
+            <a:endParaRPr lang="ja-JP" altLang="en-US"/>
+          </a:p>
+        </p:txBody>
+      </p:sp>
+      <p:cxnSp>
+        <p:nvCxnSpPr>
+          <p:cNvPr id="26" name="直線コネクタ 25">
+            <a:extLst>
+              <a:ext uri="{FF2B5EF4-FFF2-40B4-BE49-F238E27FC236}">
+                <a16:creationId xmlns:a16="http://schemas.microsoft.com/office/drawing/2014/main" id="{5270201B-CB9F-4C13-8CDE-1A8007D3AF87}"/>
+              </a:ext>
+            </a:extLst>
+          </p:cNvPr>
+          <p:cNvCxnSpPr/>
+          <p:nvPr/>
+        </p:nvCxnSpPr>
+        <p:spPr>
+          <a:xfrm flipV="1">
+            <a:off x="1487488" y="1988840"/>
+            <a:ext cx="3115303" cy="547680"/>
+          </a:xfrm>
+          <a:prstGeom prst="line">
+            <a:avLst/>
+          </a:prstGeom>
+          <a:ln w="57150">
+            <a:solidFill>
+              <a:srgbClr val="71AF47"/>
+            </a:solidFill>
+            <a:headEnd type="triangle"/>
+            <a:tailEnd type="triangle"/>
+          </a:ln>
+        </p:spPr>
+        <p:style>
+          <a:lnRef idx="1">
+            <a:schemeClr val="accent1"/>
+          </a:lnRef>
+          <a:fillRef idx="0">
+            <a:schemeClr val="accent1"/>
+          </a:fillRef>
+          <a:effectRef idx="0">
+            <a:schemeClr val="accent1"/>
+          </a:effectRef>
+          <a:fontRef idx="minor">
+            <a:schemeClr val="tx1"/>
+          </a:fontRef>
+        </p:style>
+      </p:cxnSp>
+      <p:sp>
+        <p:nvSpPr>
+          <p:cNvPr id="29" name="フリーフォーム: 図形 28">
+            <a:extLst>
+              <a:ext uri="{FF2B5EF4-FFF2-40B4-BE49-F238E27FC236}">
+                <a16:creationId xmlns:a16="http://schemas.microsoft.com/office/drawing/2014/main" id="{135E510E-0089-4DB6-BB48-587C1813E52A}"/>
+              </a:ext>
+            </a:extLst>
+          </p:cNvPr>
+          <p:cNvSpPr/>
+          <p:nvPr/>
+        </p:nvSpPr>
+        <p:spPr>
+          <a:xfrm>
+            <a:off x="2879820" y="1126795"/>
+            <a:ext cx="1741065" cy="1158240"/>
+          </a:xfrm>
+          <a:custGeom>
+            <a:avLst/>
+            <a:gdLst>
+              <a:gd name="connsiteX0" fmla="*/ 0 w 1905000"/>
+              <a:gd name="connsiteY0" fmla="*/ 1158240 h 1158240"/>
+              <a:gd name="connsiteX1" fmla="*/ 929640 w 1905000"/>
+              <a:gd name="connsiteY1" fmla="*/ 0 h 1158240"/>
+              <a:gd name="connsiteX2" fmla="*/ 1905000 w 1905000"/>
+              <a:gd name="connsiteY2" fmla="*/ 0 h 1158240"/>
+            </a:gdLst>
+            <a:ahLst/>
+            <a:cxnLst>
+              <a:cxn ang="0">
+                <a:pos x="connsiteX0" y="connsiteY0"/>
+              </a:cxn>
+              <a:cxn ang="0">
+                <a:pos x="connsiteX1" y="connsiteY1"/>
+              </a:cxn>
+              <a:cxn ang="0">
+                <a:pos x="connsiteX2" y="connsiteY2"/>
+              </a:cxn>
+            </a:cxnLst>
+            <a:rect l="l" t="t" r="r" b="b"/>
+            <a:pathLst>
+              <a:path w="1905000" h="1158240">
+                <a:moveTo>
+                  <a:pt x="0" y="1158240"/>
+                </a:moveTo>
+                <a:lnTo>
+                  <a:pt x="929640" y="0"/>
+                </a:lnTo>
+                <a:lnTo>
+                  <a:pt x="1905000" y="0"/>
+                </a:lnTo>
+              </a:path>
+            </a:pathLst>
+          </a:custGeom>
+          <a:noFill/>
+          <a:ln w="50800">
+            <a:solidFill>
+              <a:schemeClr val="tx1">
+                <a:lumMod val="75000"/>
+                <a:lumOff val="25000"/>
+              </a:schemeClr>
+            </a:solidFill>
+            <a:headEnd type="oval"/>
+          </a:ln>
+          <a:effectLst>
+            <a:glow rad="38100">
+              <a:schemeClr val="bg1">
+                <a:lumMod val="85000"/>
+                <a:alpha val="51000"/>
+              </a:schemeClr>
+            </a:glow>
+          </a:effectLst>
+        </p:spPr>
+        <p:style>
+          <a:lnRef idx="2">
+            <a:schemeClr val="accent1">
+              <a:shade val="50000"/>
+            </a:schemeClr>
+          </a:lnRef>
+          <a:fillRef idx="1">
+            <a:schemeClr val="accent1"/>
+          </a:fillRef>
+          <a:effectRef idx="0">
+            <a:schemeClr val="accent1"/>
+          </a:effectRef>
+          <a:fontRef idx="minor">
+            <a:schemeClr val="lt1"/>
+          </a:fontRef>
+        </p:style>
+        <p:txBody>
+          <a:bodyPr rtlCol="0" anchor="ctr"/>
+          <a:lstStyle/>
+          <a:p>
+            <a:pPr algn="ctr"/>
+            <a:endParaRPr lang="ja-JP" altLang="en-US"/>
+          </a:p>
+        </p:txBody>
+      </p:sp>
+      <p:sp>
+        <p:nvSpPr>
+          <p:cNvPr id="30" name="テキスト ボックス 29">
+            <a:extLst>
+              <a:ext uri="{FF2B5EF4-FFF2-40B4-BE49-F238E27FC236}">
+                <a16:creationId xmlns:a16="http://schemas.microsoft.com/office/drawing/2014/main" id="{AF883950-ECD0-49C6-82B8-6E4E4998EE44}"/>
+              </a:ext>
+            </a:extLst>
+          </p:cNvPr>
+          <p:cNvSpPr txBox="1"/>
+          <p:nvPr/>
+        </p:nvSpPr>
+        <p:spPr>
+          <a:xfrm>
+            <a:off x="3786842" y="653428"/>
+            <a:ext cx="900100" cy="523220"/>
+          </a:xfrm>
+          <a:prstGeom prst="rect">
+            <a:avLst/>
+          </a:prstGeom>
+          <a:noFill/>
+        </p:spPr>
+        <p:txBody>
+          <a:bodyPr wrap="square" rtlCol="0">
+            <a:spAutoFit/>
+          </a:bodyPr>
+          <a:lstStyle/>
+          <a:p>
+            <a:r>
+              <a:rPr lang="en-US" altLang="ja-JP" sz="2800" b="1" dirty="0" err="1">
+                <a:solidFill>
+                  <a:schemeClr val="tx1">
+                    <a:lumMod val="75000"/>
+                    <a:lumOff val="25000"/>
+                  </a:schemeClr>
+                </a:solidFill>
+              </a:rPr>
+              <a:t>R</a:t>
+            </a:r>
+            <a:r>
+              <a:rPr kumimoji="1" lang="en-US" altLang="ja-JP" sz="2800" b="1" dirty="0" err="1">
+                <a:solidFill>
+                  <a:schemeClr val="tx1">
+                    <a:lumMod val="75000"/>
+                    <a:lumOff val="25000"/>
+                  </a:schemeClr>
+                </a:solidFill>
+              </a:rPr>
+              <a:t>_l</a:t>
+            </a:r>
+            <a:endParaRPr kumimoji="1" lang="ja-JP" altLang="en-US" sz="2800" b="1" dirty="0">
+              <a:solidFill>
+                <a:schemeClr val="tx1">
+                  <a:lumMod val="75000"/>
+                  <a:lumOff val="25000"/>
+                </a:schemeClr>
+              </a:solidFill>
+            </a:endParaRPr>
+          </a:p>
+        </p:txBody>
+      </p:sp>
+    </p:spTree>
+    <p:extLst>
+      <p:ext uri="{BB962C8B-B14F-4D97-AF65-F5344CB8AC3E}">
+        <p14:creationId xmlns:p14="http://schemas.microsoft.com/office/powerpoint/2010/main" val="2916391178"/>
+      </p:ext>
+    </p:extLst>
+  </p:cSld>
+  <p:clrMapOvr>
+    <a:masterClrMapping/>
+  </p:clrMapOvr>
+</p:sld>
+</file>
+
+<file path=ppt/slides/slide6.xml><?xml version="1.0" encoding="utf-8"?>
+<p:sld xmlns:a="http://schemas.openxmlformats.org/drawingml/2006/main" xmlns:r="http://schemas.openxmlformats.org/officeDocument/2006/relationships" xmlns:p="http://schemas.openxmlformats.org/presentationml/2006/main">
+  <p:cSld>
+    <p:spTree>
+      <p:nvGrpSpPr>
+        <p:cNvPr id="1" name=""/>
+        <p:cNvGrpSpPr/>
+        <p:nvPr/>
+      </p:nvGrpSpPr>
+      <p:grpSpPr>
+        <a:xfrm>
+          <a:off x="0" y="0"/>
+          <a:ext cx="0" cy="0"/>
+          <a:chOff x="0" y="0"/>
+          <a:chExt cx="0" cy="0"/>
+        </a:xfrm>
+      </p:grpSpPr>
+      <p:sp>
+        <p:nvSpPr>
+          <p:cNvPr id="2" name="タイトル 1">
+            <a:extLst>
+              <a:ext uri="{FF2B5EF4-FFF2-40B4-BE49-F238E27FC236}">
+                <a16:creationId xmlns:a16="http://schemas.microsoft.com/office/drawing/2014/main" id="{4CDB7E52-054A-46E6-A125-45CFDE2853F3}"/>
+              </a:ext>
+            </a:extLst>
+          </p:cNvPr>
+          <p:cNvSpPr>
+            <a:spLocks noGrp="1"/>
+          </p:cNvSpPr>
+          <p:nvPr>
+            <p:ph type="title"/>
+          </p:nvPr>
+        </p:nvSpPr>
+        <p:spPr/>
+        <p:txBody>
+          <a:bodyPr/>
+          <a:lstStyle/>
+          <a:p>
+            <a:endParaRPr kumimoji="1" lang="ja-JP" altLang="en-US"/>
+          </a:p>
+        </p:txBody>
+      </p:sp>
+      <p:sp>
+        <p:nvSpPr>
+          <p:cNvPr id="3" name="コンテンツ プレースホルダー 2">
+            <a:extLst>
+              <a:ext uri="{FF2B5EF4-FFF2-40B4-BE49-F238E27FC236}">
+                <a16:creationId xmlns:a16="http://schemas.microsoft.com/office/drawing/2014/main" id="{930B9989-928B-4BB7-A6AA-2C8A48B60248}"/>
+              </a:ext>
+            </a:extLst>
+          </p:cNvPr>
+          <p:cNvSpPr>
+            <a:spLocks noGrp="1"/>
+          </p:cNvSpPr>
+          <p:nvPr>
+            <p:ph idx="1"/>
+          </p:nvPr>
+        </p:nvSpPr>
+        <p:spPr/>
+        <p:txBody>
+          <a:bodyPr/>
+          <a:lstStyle/>
+          <a:p>
+            <a:endParaRPr kumimoji="1" lang="ja-JP" altLang="en-US"/>
+          </a:p>
+        </p:txBody>
+      </p:sp>
+    </p:spTree>
+    <p:extLst>
+      <p:ext uri="{BB962C8B-B14F-4D97-AF65-F5344CB8AC3E}">
+        <p14:creationId xmlns:p14="http://schemas.microsoft.com/office/powerpoint/2010/main" val="2200829498"/>
       </p:ext>
     </p:extLst>
   </p:cSld>
